--- a/Project/Презентация.pptx
+++ b/Project/Презентация.pptx
@@ -5,20 +5,21 @@
     <p:sldMasterId id="2147483648" r:id="rId1"/>
   </p:sldMasterIdLst>
   <p:notesMasterIdLst>
-    <p:notesMasterId r:id="rId13"/>
+    <p:notesMasterId r:id="rId14"/>
   </p:notesMasterIdLst>
   <p:sldIdLst>
     <p:sldId id="256" r:id="rId2"/>
-    <p:sldId id="261" r:id="rId3"/>
-    <p:sldId id="257" r:id="rId4"/>
+    <p:sldId id="257" r:id="rId3"/>
+    <p:sldId id="261" r:id="rId4"/>
     <p:sldId id="258" r:id="rId5"/>
-    <p:sldId id="265" r:id="rId6"/>
-    <p:sldId id="266" r:id="rId7"/>
-    <p:sldId id="267" r:id="rId8"/>
-    <p:sldId id="268" r:id="rId9"/>
-    <p:sldId id="270" r:id="rId10"/>
-    <p:sldId id="271" r:id="rId11"/>
-    <p:sldId id="269" r:id="rId12"/>
+    <p:sldId id="272" r:id="rId6"/>
+    <p:sldId id="265" r:id="rId7"/>
+    <p:sldId id="266" r:id="rId8"/>
+    <p:sldId id="267" r:id="rId9"/>
+    <p:sldId id="268" r:id="rId10"/>
+    <p:sldId id="270" r:id="rId11"/>
+    <p:sldId id="271" r:id="rId12"/>
+    <p:sldId id="269" r:id="rId13"/>
   </p:sldIdLst>
   <p:sldSz cx="12192000" cy="6858000"/>
   <p:notesSz cx="6858000" cy="9144000"/>
@@ -627,7 +628,7 @@
           <a:p>
             <a:fld id="{A79342ED-4FC0-4896-9067-813C389F8D47}" type="slidenum">
               <a:rPr lang="ru-RU" smtClean="0"/>
-              <a:t>3</a:t>
+              <a:t>2</a:t>
             </a:fld>
             <a:endParaRPr lang="ru-RU"/>
           </a:p>
@@ -637,6 +638,90 @@
     <p:extLst>
       <p:ext uri="{BB962C8B-B14F-4D97-AF65-F5344CB8AC3E}">
         <p14:creationId xmlns:p14="http://schemas.microsoft.com/office/powerpoint/2010/main" val="4261525100"/>
+      </p:ext>
+    </p:extLst>
+  </p:cSld>
+  <p:clrMapOvr>
+    <a:masterClrMapping/>
+  </p:clrMapOvr>
+</p:notes>
+</file>
+
+<file path=ppt/notesSlides/notesSlide3.xml><?xml version="1.0" encoding="utf-8"?>
+<p:notes xmlns:a="http://schemas.openxmlformats.org/drawingml/2006/main" xmlns:r="http://schemas.openxmlformats.org/officeDocument/2006/relationships" xmlns:p="http://schemas.openxmlformats.org/presentationml/2006/main">
+  <p:cSld>
+    <p:spTree>
+      <p:nvGrpSpPr>
+        <p:cNvPr id="1" name=""/>
+        <p:cNvGrpSpPr/>
+        <p:nvPr/>
+      </p:nvGrpSpPr>
+      <p:grpSpPr>
+        <a:xfrm>
+          <a:off x="0" y="0"/>
+          <a:ext cx="0" cy="0"/>
+          <a:chOff x="0" y="0"/>
+          <a:chExt cx="0" cy="0"/>
+        </a:xfrm>
+      </p:grpSpPr>
+      <p:sp>
+        <p:nvSpPr>
+          <p:cNvPr id="2" name="Образ слайда 1"/>
+          <p:cNvSpPr>
+            <a:spLocks noGrp="1" noRot="1" noChangeAspect="1"/>
+          </p:cNvSpPr>
+          <p:nvPr>
+            <p:ph type="sldImg"/>
+          </p:nvPr>
+        </p:nvSpPr>
+        <p:spPr/>
+      </p:sp>
+      <p:sp>
+        <p:nvSpPr>
+          <p:cNvPr id="3" name="Заметки 2"/>
+          <p:cNvSpPr>
+            <a:spLocks noGrp="1"/>
+          </p:cNvSpPr>
+          <p:nvPr>
+            <p:ph type="body" idx="1"/>
+          </p:nvPr>
+        </p:nvSpPr>
+        <p:spPr/>
+        <p:txBody>
+          <a:bodyPr/>
+          <a:lstStyle/>
+          <a:p>
+            <a:endParaRPr lang="ru-RU" dirty="0"/>
+          </a:p>
+        </p:txBody>
+      </p:sp>
+      <p:sp>
+        <p:nvSpPr>
+          <p:cNvPr id="4" name="Номер слайда 3"/>
+          <p:cNvSpPr>
+            <a:spLocks noGrp="1"/>
+          </p:cNvSpPr>
+          <p:nvPr>
+            <p:ph type="sldNum" sz="quarter" idx="10"/>
+          </p:nvPr>
+        </p:nvSpPr>
+        <p:spPr/>
+        <p:txBody>
+          <a:bodyPr/>
+          <a:lstStyle/>
+          <a:p>
+            <a:fld id="{A79342ED-4FC0-4896-9067-813C389F8D47}" type="slidenum">
+              <a:rPr lang="ru-RU" smtClean="0"/>
+              <a:t>5</a:t>
+            </a:fld>
+            <a:endParaRPr lang="ru-RU"/>
+          </a:p>
+        </p:txBody>
+      </p:sp>
+    </p:spTree>
+    <p:extLst>
+      <p:ext uri="{BB962C8B-B14F-4D97-AF65-F5344CB8AC3E}">
+        <p14:creationId xmlns:p14="http://schemas.microsoft.com/office/powerpoint/2010/main" val="1365900225"/>
       </p:ext>
     </p:extLst>
   </p:cSld>
@@ -4106,11 +4191,11 @@
   <p:clrMapOvr>
     <a:masterClrMapping/>
   </p:clrMapOvr>
-  <mc:AlternateContent xmlns:mc="http://schemas.openxmlformats.org/markup-compatibility/2006">
-    <mc:Choice xmlns:p14="http://schemas.microsoft.com/office/powerpoint/2010/main" Requires="p14">
+  <mc:AlternateContent xmlns:mc="http://schemas.openxmlformats.org/markup-compatibility/2006" xmlns:p14="http://schemas.microsoft.com/office/powerpoint/2010/main">
+    <mc:Choice Requires="p14">
       <p:transition spd="slow" p14:dur="2000"/>
     </mc:Choice>
-    <mc:Fallback>
+    <mc:Fallback xmlns="">
       <p:transition spd="slow"/>
     </mc:Fallback>
   </mc:AlternateContent>
@@ -4143,64 +4228,95 @@
       </p:grpSpPr>
       <p:sp>
         <p:nvSpPr>
-          <p:cNvPr id="2" name="Объект 1"/>
-          <p:cNvSpPr>
-            <a:spLocks noGrp="1"/>
-          </p:cNvSpPr>
+          <p:cNvPr id="2" name="Заголовок 1"/>
+          <p:cNvSpPr>
+            <a:spLocks noGrp="1"/>
+          </p:cNvSpPr>
+          <p:nvPr>
+            <p:ph type="title"/>
+          </p:nvPr>
+        </p:nvSpPr>
+        <p:spPr/>
+        <p:txBody>
+          <a:bodyPr>
+            <a:normAutofit fontScale="90000"/>
+          </a:bodyPr>
+          <a:lstStyle/>
+          <a:p>
+            <a:r>
+              <a:rPr lang="ru-RU" dirty="0" smtClean="0"/>
+              <a:t>Генерация заданий</a:t>
+            </a:r>
+            <a:endParaRPr lang="ru-RU" dirty="0"/>
+          </a:p>
+        </p:txBody>
+      </p:sp>
+      <p:pic>
+        <p:nvPicPr>
+          <p:cNvPr id="6" name="Объект 5"/>
+          <p:cNvPicPr>
+            <a:picLocks noGrp="1" noChangeAspect="1"/>
+          </p:cNvPicPr>
           <p:nvPr>
             <p:ph idx="1"/>
           </p:nvPr>
+        </p:nvPicPr>
+        <p:blipFill>
+          <a:blip r:embed="rId2"/>
+          <a:stretch>
+            <a:fillRect/>
+          </a:stretch>
+        </p:blipFill>
+        <p:spPr>
+          <a:xfrm>
+            <a:off x="5181600" y="1798747"/>
+            <a:ext cx="6173788" cy="3250980"/>
+          </a:xfrm>
+          <a:prstGeom prst="rect">
+            <a:avLst/>
+          </a:prstGeom>
+          <a:ln w="38100" cap="sq">
+            <a:solidFill>
+              <a:srgbClr val="0000FF"/>
+            </a:solidFill>
+            <a:prstDash val="solid"/>
+            <a:miter lim="800000"/>
+          </a:ln>
+          <a:effectLst>
+            <a:outerShdw blurRad="50800" dist="38100" dir="2700000" algn="tl" rotWithShape="0">
+              <a:srgbClr val="000000">
+                <a:alpha val="43000"/>
+              </a:srgbClr>
+            </a:outerShdw>
+          </a:effectLst>
+        </p:spPr>
+      </p:pic>
+      <p:sp>
+        <p:nvSpPr>
+          <p:cNvPr id="4" name="Текст 3"/>
+          <p:cNvSpPr>
+            <a:spLocks noGrp="1"/>
+          </p:cNvSpPr>
+          <p:nvPr>
+            <p:ph type="body" sz="half" idx="2"/>
+          </p:nvPr>
         </p:nvSpPr>
         <p:spPr/>
         <p:txBody>
-          <a:bodyPr>
-            <a:normAutofit/>
-          </a:bodyPr>
-          <a:lstStyle/>
-          <a:p>
-            <a:r>
-              <a:rPr lang="ru-RU" sz="2600" dirty="0" smtClean="0"/>
-              <a:t>Веб-сайты имеют огромную популярность в  современном мире, они применяются во многих сферах и содержат в себе информацию </a:t>
-            </a:r>
-            <a:r>
-              <a:rPr lang="ru-RU" sz="2600" smtClean="0"/>
-              <a:t>различного рода.</a:t>
-            </a:r>
-            <a:endParaRPr lang="ru-RU" sz="2600" dirty="0"/>
-          </a:p>
-          <a:p>
-            <a:r>
-              <a:rPr lang="ru-RU" altLang="ru-RU" sz="2600" dirty="0"/>
-              <a:t>В результате работы над проектом были приобретены навыки отбора и систематизации нужной информации из множества </a:t>
-            </a:r>
-            <a:r>
-              <a:rPr lang="ru-RU" altLang="ru-RU" sz="2600" dirty="0" smtClean="0"/>
-              <a:t>источников</a:t>
-            </a:r>
-          </a:p>
-          <a:p>
-            <a:r>
-              <a:rPr lang="ru-RU" altLang="ru-RU" sz="2600" dirty="0"/>
-              <a:t>Удалось ознакомиться со средствами веб-разработки и создать генератор, создающий комбинаторные задачи с ответами, способный упростить подготовку к ЕГЭ по информатике</a:t>
-            </a:r>
-            <a:r>
-              <a:rPr lang="ru-RU" altLang="ru-RU" sz="2600" dirty="0" smtClean="0"/>
-              <a:t>.</a:t>
-            </a:r>
-            <a:r>
-              <a:rPr lang="ru-RU" altLang="ru-RU" sz="2600" dirty="0"/>
-              <a:t/>
-            </a:r>
-            <a:br>
-              <a:rPr lang="ru-RU" altLang="ru-RU" sz="2600" dirty="0"/>
-            </a:br>
-            <a:endParaRPr lang="ru-RU" altLang="ru-RU" sz="2600" dirty="0"/>
-          </a:p>
-        </p:txBody>
-      </p:sp>
-      <p:sp>
-        <p:nvSpPr>
-          <p:cNvPr id="3" name="Номер слайда 2"/>
+          <a:bodyPr/>
+          <a:lstStyle/>
+          <a:p>
+            <a:r>
+              <a:rPr lang="ru-RU" dirty="0" smtClean="0"/>
+              <a:t>После выбора пользователем нужных ему задач, на экран выводятся блоки с сгенерированными заданиями, которые можно проверить с помощью ответов внизу блока соответствующего типа.</a:t>
+            </a:r>
+            <a:endParaRPr lang="ru-RU" dirty="0"/>
+          </a:p>
+        </p:txBody>
+      </p:sp>
+      <p:sp>
+        <p:nvSpPr>
+          <p:cNvPr id="5" name="Номер слайда 4"/>
           <p:cNvSpPr>
             <a:spLocks noGrp="1"/>
           </p:cNvSpPr>
@@ -4213,51 +4329,31 @@
           <a:bodyPr/>
           <a:lstStyle/>
           <a:p>
-            <a:r>
-              <a:rPr lang="ru-RU" dirty="0" smtClean="0"/>
+            <a:fld id="{BE6F418A-D88A-4C3D-838F-588A838D2EC3}" type="slidenum">
+              <a:rPr lang="ru-RU" smtClean="0"/>
               <a:t>10</a:t>
-            </a:r>
-            <a:endParaRPr lang="ru-RU" dirty="0"/>
-          </a:p>
-        </p:txBody>
-      </p:sp>
-      <p:sp>
-        <p:nvSpPr>
-          <p:cNvPr id="4" name="Заголовок 3"/>
-          <p:cNvSpPr>
-            <a:spLocks noGrp="1"/>
-          </p:cNvSpPr>
-          <p:nvPr>
-            <p:ph type="title"/>
-          </p:nvPr>
-        </p:nvSpPr>
-        <p:spPr/>
-        <p:txBody>
-          <a:bodyPr/>
-          <a:lstStyle/>
-          <a:p>
-            <a:r>
-              <a:rPr lang="ru-RU" sz="3600" dirty="0" smtClean="0">
-                <a:latin typeface="+mn-lt"/>
-              </a:rPr>
-              <a:t>Заключение</a:t>
-            </a:r>
-            <a:endParaRPr lang="ru-RU" sz="3600" dirty="0">
-              <a:latin typeface="+mn-lt"/>
-            </a:endParaRPr>
+            </a:fld>
+            <a:endParaRPr lang="ru-RU"/>
           </a:p>
         </p:txBody>
       </p:sp>
     </p:spTree>
     <p:extLst>
       <p:ext uri="{BB962C8B-B14F-4D97-AF65-F5344CB8AC3E}">
-        <p14:creationId xmlns:p14="http://schemas.microsoft.com/office/powerpoint/2010/main" val="1705687803"/>
+        <p14:creationId xmlns:p14="http://schemas.microsoft.com/office/powerpoint/2010/main" val="4119221960"/>
       </p:ext>
     </p:extLst>
   </p:cSld>
   <p:clrMapOvr>
     <a:masterClrMapping/>
   </p:clrMapOvr>
+  <p:timing>
+    <p:tnLst>
+      <p:par>
+        <p:cTn id="1" dur="indefinite" restart="never" nodeType="tmRoot"/>
+      </p:par>
+    </p:tnLst>
+  </p:timing>
 </p:sld>
 </file>
 
@@ -4290,6 +4386,150 @@
         </p:nvSpPr>
         <p:spPr/>
         <p:txBody>
+          <a:bodyPr>
+            <a:normAutofit/>
+          </a:bodyPr>
+          <a:lstStyle/>
+          <a:p>
+            <a:r>
+              <a:rPr lang="ru-RU" sz="2600" dirty="0" smtClean="0"/>
+              <a:t>Веб-сайты имеют огромную популярность в  современном мире, они применяются во многих сферах и содержат в себе информацию </a:t>
+            </a:r>
+            <a:r>
+              <a:rPr lang="ru-RU" sz="2600" smtClean="0"/>
+              <a:t>различного рода.</a:t>
+            </a:r>
+            <a:endParaRPr lang="ru-RU" sz="2600" dirty="0"/>
+          </a:p>
+          <a:p>
+            <a:r>
+              <a:rPr lang="ru-RU" altLang="ru-RU" sz="2600" dirty="0"/>
+              <a:t>В результате работы над проектом были приобретены навыки отбора и систематизации нужной информации из множества </a:t>
+            </a:r>
+            <a:r>
+              <a:rPr lang="ru-RU" altLang="ru-RU" sz="2600" dirty="0" smtClean="0"/>
+              <a:t>источников</a:t>
+            </a:r>
+          </a:p>
+          <a:p>
+            <a:r>
+              <a:rPr lang="ru-RU" altLang="ru-RU" sz="2600" dirty="0"/>
+              <a:t>Удалось ознакомиться со средствами веб-разработки и создать генератор, создающий комбинаторные задачи с ответами, способный упростить подготовку к ЕГЭ по информатике</a:t>
+            </a:r>
+            <a:r>
+              <a:rPr lang="ru-RU" altLang="ru-RU" sz="2600" dirty="0" smtClean="0"/>
+              <a:t>.</a:t>
+            </a:r>
+            <a:r>
+              <a:rPr lang="ru-RU" altLang="ru-RU" sz="2600" dirty="0"/>
+              <a:t/>
+            </a:r>
+            <a:br>
+              <a:rPr lang="ru-RU" altLang="ru-RU" sz="2600" dirty="0"/>
+            </a:br>
+            <a:endParaRPr lang="ru-RU" altLang="ru-RU" sz="2600" dirty="0"/>
+          </a:p>
+        </p:txBody>
+      </p:sp>
+      <p:sp>
+        <p:nvSpPr>
+          <p:cNvPr id="3" name="Номер слайда 2"/>
+          <p:cNvSpPr>
+            <a:spLocks noGrp="1"/>
+          </p:cNvSpPr>
+          <p:nvPr>
+            <p:ph type="sldNum" sz="quarter" idx="12"/>
+          </p:nvPr>
+        </p:nvSpPr>
+        <p:spPr/>
+        <p:txBody>
+          <a:bodyPr/>
+          <a:lstStyle/>
+          <a:p>
+            <a:r>
+              <a:rPr lang="ru-RU" dirty="0" smtClean="0"/>
+              <a:t>11</a:t>
+            </a:r>
+            <a:endParaRPr lang="ru-RU" dirty="0"/>
+          </a:p>
+        </p:txBody>
+      </p:sp>
+      <p:sp>
+        <p:nvSpPr>
+          <p:cNvPr id="4" name="Заголовок 3"/>
+          <p:cNvSpPr>
+            <a:spLocks noGrp="1"/>
+          </p:cNvSpPr>
+          <p:nvPr>
+            <p:ph type="title"/>
+          </p:nvPr>
+        </p:nvSpPr>
+        <p:spPr/>
+        <p:txBody>
+          <a:bodyPr/>
+          <a:lstStyle/>
+          <a:p>
+            <a:r>
+              <a:rPr lang="ru-RU" sz="3600" dirty="0" smtClean="0">
+                <a:latin typeface="+mn-lt"/>
+              </a:rPr>
+              <a:t>Заключение</a:t>
+            </a:r>
+            <a:endParaRPr lang="ru-RU" sz="3600" dirty="0">
+              <a:latin typeface="+mn-lt"/>
+            </a:endParaRPr>
+          </a:p>
+        </p:txBody>
+      </p:sp>
+    </p:spTree>
+    <p:extLst>
+      <p:ext uri="{BB962C8B-B14F-4D97-AF65-F5344CB8AC3E}">
+        <p14:creationId xmlns:p14="http://schemas.microsoft.com/office/powerpoint/2010/main" val="1705687803"/>
+      </p:ext>
+    </p:extLst>
+  </p:cSld>
+  <p:clrMapOvr>
+    <a:masterClrMapping/>
+  </p:clrMapOvr>
+  <p:timing>
+    <p:tnLst>
+      <p:par>
+        <p:cTn id="1" dur="indefinite" restart="never" nodeType="tmRoot"/>
+      </p:par>
+    </p:tnLst>
+  </p:timing>
+</p:sld>
+</file>
+
+<file path=ppt/slides/slide12.xml><?xml version="1.0" encoding="utf-8"?>
+<p:sld xmlns:a="http://schemas.openxmlformats.org/drawingml/2006/main" xmlns:r="http://schemas.openxmlformats.org/officeDocument/2006/relationships" xmlns:p="http://schemas.openxmlformats.org/presentationml/2006/main">
+  <p:cSld>
+    <p:spTree>
+      <p:nvGrpSpPr>
+        <p:cNvPr id="1" name=""/>
+        <p:cNvGrpSpPr/>
+        <p:nvPr/>
+      </p:nvGrpSpPr>
+      <p:grpSpPr>
+        <a:xfrm>
+          <a:off x="0" y="0"/>
+          <a:ext cx="0" cy="0"/>
+          <a:chOff x="0" y="0"/>
+          <a:chExt cx="0" cy="0"/>
+        </a:xfrm>
+      </p:grpSpPr>
+      <p:sp>
+        <p:nvSpPr>
+          <p:cNvPr id="2" name="Объект 1"/>
+          <p:cNvSpPr>
+            <a:spLocks noGrp="1"/>
+          </p:cNvSpPr>
+          <p:nvPr>
+            <p:ph idx="1"/>
+          </p:nvPr>
+        </p:nvSpPr>
+        <p:spPr/>
+        <p:txBody>
           <a:bodyPr/>
           <a:lstStyle/>
           <a:p>
@@ -4324,13 +4564,100 @@
               <a:t> - MDN </a:t>
             </a:r>
             <a:r>
-              <a:rPr lang="en-US" sz="2600" dirty="0" err="1"/>
+              <a:rPr lang="en-US" sz="2600" dirty="0" err="1" smtClean="0"/>
               <a:t>WebDocs</a:t>
             </a:r>
-            <a:endParaRPr lang="ru-RU" sz="2600" dirty="0"/>
-          </a:p>
-          <a:p>
-            <a:endParaRPr lang="ru-RU" dirty="0"/>
+            <a:r>
+              <a:rPr lang="en-US" sz="2600" dirty="0"/>
+              <a:t>.</a:t>
+            </a:r>
+            <a:endParaRPr lang="ru-RU" sz="2600" dirty="0" smtClean="0"/>
+          </a:p>
+          <a:p>
+            <a:pPr marL="514350" lvl="0" indent="-514350">
+              <a:buFont typeface="+mj-lt"/>
+              <a:buAutoNum type="arabicPeriod"/>
+            </a:pPr>
+            <a:r>
+              <a:rPr lang="en-US" sz="2600" dirty="0">
+                <a:hlinkClick r:id="rId4"/>
+              </a:rPr>
+              <a:t>https://ru.wikipedia.org</a:t>
+            </a:r>
+            <a:r>
+              <a:rPr lang="en-US" sz="2600" dirty="0" smtClean="0">
+                <a:hlinkClick r:id="rId4"/>
+              </a:rPr>
+              <a:t>/</a:t>
+            </a:r>
+            <a:r>
+              <a:rPr lang="ru-RU" sz="2600" dirty="0" smtClean="0"/>
+              <a:t> - Свободная энциклопедия </a:t>
+            </a:r>
+            <a:r>
+              <a:rPr lang="en-US" sz="2600" dirty="0" smtClean="0"/>
+              <a:t>Wikipedia.</a:t>
+            </a:r>
+          </a:p>
+          <a:p>
+            <a:pPr marL="514350" lvl="0" indent="-514350">
+              <a:buFont typeface="+mj-lt"/>
+              <a:buAutoNum type="arabicPeriod"/>
+            </a:pPr>
+            <a:r>
+              <a:rPr lang="en-US" sz="2600" dirty="0" smtClean="0">
+                <a:hlinkClick r:id="rId5"/>
+              </a:rPr>
+              <a:t>https://materializecss.org/</a:t>
+            </a:r>
+            <a:r>
+              <a:rPr lang="en-US" sz="2600" dirty="0" smtClean="0"/>
+              <a:t> - </a:t>
+            </a:r>
+            <a:r>
+              <a:rPr lang="ru-RU" sz="2600" dirty="0"/>
+              <a:t>Ф</a:t>
+            </a:r>
+            <a:r>
+              <a:rPr lang="ru-RU" sz="2600" dirty="0" smtClean="0"/>
+              <a:t>реймворк </a:t>
+            </a:r>
+            <a:r>
+              <a:rPr lang="en-US" sz="2600" dirty="0" smtClean="0"/>
+              <a:t>Materialize.</a:t>
+            </a:r>
+            <a:endParaRPr lang="en-US" dirty="0"/>
+          </a:p>
+          <a:p>
+            <a:pPr marL="514350" lvl="0" indent="-514350">
+              <a:buFont typeface="+mj-lt"/>
+              <a:buAutoNum type="arabicPeriod"/>
+            </a:pPr>
+            <a:r>
+              <a:rPr lang="en-US" sz="2600" dirty="0">
+                <a:hlinkClick r:id="rId6"/>
+              </a:rPr>
+              <a:t>https://learn.javascript.ru</a:t>
+            </a:r>
+            <a:r>
+              <a:rPr lang="en-US" sz="2600" dirty="0" smtClean="0">
+                <a:hlinkClick r:id="rId6"/>
+              </a:rPr>
+              <a:t>/</a:t>
+            </a:r>
+            <a:r>
+              <a:rPr lang="en-US" sz="2600" dirty="0" smtClean="0"/>
+              <a:t> -</a:t>
+            </a:r>
+            <a:r>
+              <a:rPr lang="ru-RU" sz="2600" dirty="0" smtClean="0"/>
+              <a:t> Современный учебник </a:t>
+            </a:r>
+            <a:r>
+              <a:rPr lang="en-US" sz="2600" dirty="0" smtClean="0"/>
+              <a:t>JavaScript. </a:t>
+            </a:r>
+            <a:endParaRPr lang="ru-RU" sz="2600" dirty="0" smtClean="0"/>
           </a:p>
         </p:txBody>
       </p:sp>
@@ -4351,7 +4678,7 @@
           <a:p>
             <a:r>
               <a:rPr lang="ru-RU" dirty="0" smtClean="0"/>
-              <a:t>11</a:t>
+              <a:t>12</a:t>
             </a:r>
             <a:endParaRPr lang="ru-RU" dirty="0"/>
           </a:p>
@@ -4433,180 +4760,6 @@
             <p:ph type="title"/>
           </p:nvPr>
         </p:nvSpPr>
-        <p:spPr>
-          <a:xfrm>
-            <a:off x="831850" y="3019424"/>
-            <a:ext cx="10991850" cy="815975"/>
-          </a:xfrm>
-        </p:spPr>
-        <p:txBody>
-          <a:bodyPr/>
-          <a:lstStyle/>
-          <a:p>
-            <a:r>
-              <a:rPr lang="ru-RU" dirty="0" smtClean="0"/>
-              <a:t>Цель проекта</a:t>
-            </a:r>
-            <a:endParaRPr lang="ru-RU" dirty="0"/>
-          </a:p>
-        </p:txBody>
-      </p:sp>
-      <p:sp>
-        <p:nvSpPr>
-          <p:cNvPr id="3" name="Текст 2"/>
-          <p:cNvSpPr>
-            <a:spLocks noGrp="1"/>
-          </p:cNvSpPr>
-          <p:nvPr>
-            <p:ph type="body" idx="1"/>
-          </p:nvPr>
-        </p:nvSpPr>
-        <p:spPr/>
-        <p:txBody>
-          <a:bodyPr/>
-          <a:lstStyle/>
-          <a:p>
-            <a:r>
-              <a:rPr lang="en-US" sz="4000" dirty="0">
-                <a:solidFill>
-                  <a:schemeClr val="tx1"/>
-                </a:solidFill>
-              </a:rPr>
-              <a:t>C</a:t>
-            </a:r>
-            <a:r>
-              <a:rPr lang="ru-RU" sz="4000" dirty="0" err="1">
-                <a:solidFill>
-                  <a:schemeClr val="tx1"/>
-                </a:solidFill>
-              </a:rPr>
-              <a:t>оздание</a:t>
-            </a:r>
-            <a:r>
-              <a:rPr lang="ru-RU" sz="4000" dirty="0">
-                <a:solidFill>
-                  <a:schemeClr val="tx1"/>
-                </a:solidFill>
-              </a:rPr>
-              <a:t> генератора комбинаторных задач ЕГЭ на языке </a:t>
-            </a:r>
-            <a:r>
-              <a:rPr lang="ru-RU" sz="4000" dirty="0" err="1">
-                <a:solidFill>
-                  <a:schemeClr val="tx1"/>
-                </a:solidFill>
-              </a:rPr>
-              <a:t>JavaScript</a:t>
-            </a:r>
-            <a:r>
-              <a:rPr lang="ru-RU" sz="4000" dirty="0">
-                <a:solidFill>
-                  <a:schemeClr val="tx1"/>
-                </a:solidFill>
-              </a:rPr>
-              <a:t>.</a:t>
-            </a:r>
-            <a:r>
-              <a:rPr lang="ru-RU" sz="4000" b="1" dirty="0">
-                <a:solidFill>
-                  <a:schemeClr val="tx1"/>
-                </a:solidFill>
-              </a:rPr>
-              <a:t> </a:t>
-            </a:r>
-            <a:endParaRPr lang="ru-RU" sz="4000" dirty="0">
-              <a:solidFill>
-                <a:schemeClr val="tx1"/>
-              </a:solidFill>
-            </a:endParaRPr>
-          </a:p>
-          <a:p>
-            <a:endParaRPr lang="ru-RU" dirty="0">
-              <a:solidFill>
-                <a:schemeClr val="tx1"/>
-              </a:solidFill>
-            </a:endParaRPr>
-          </a:p>
-        </p:txBody>
-      </p:sp>
-      <p:sp>
-        <p:nvSpPr>
-          <p:cNvPr id="4" name="Номер слайда 3"/>
-          <p:cNvSpPr>
-            <a:spLocks noGrp="1"/>
-          </p:cNvSpPr>
-          <p:nvPr>
-            <p:ph type="sldNum" sz="quarter" idx="12"/>
-          </p:nvPr>
-        </p:nvSpPr>
-        <p:spPr/>
-        <p:txBody>
-          <a:bodyPr/>
-          <a:lstStyle/>
-          <a:p>
-            <a:fld id="{BE6F418A-D88A-4C3D-838F-588A838D2EC3}" type="slidenum">
-              <a:rPr lang="ru-RU" smtClean="0"/>
-              <a:t>2</a:t>
-            </a:fld>
-            <a:endParaRPr lang="ru-RU"/>
-          </a:p>
-        </p:txBody>
-      </p:sp>
-    </p:spTree>
-    <p:extLst>
-      <p:ext uri="{BB962C8B-B14F-4D97-AF65-F5344CB8AC3E}">
-        <p14:creationId xmlns:p14="http://schemas.microsoft.com/office/powerpoint/2010/main" val="1762447165"/>
-      </p:ext>
-    </p:extLst>
-  </p:cSld>
-  <p:clrMapOvr>
-    <a:masterClrMapping/>
-  </p:clrMapOvr>
-  <mc:AlternateContent xmlns:mc="http://schemas.openxmlformats.org/markup-compatibility/2006">
-    <mc:Choice xmlns:p14="http://schemas.microsoft.com/office/powerpoint/2010/main" Requires="p14">
-      <p:transition spd="slow" p14:dur="2000"/>
-    </mc:Choice>
-    <mc:Fallback>
-      <p:transition spd="slow"/>
-    </mc:Fallback>
-  </mc:AlternateContent>
-  <p:timing>
-    <p:tnLst>
-      <p:par>
-        <p:cTn id="1" dur="indefinite" restart="never" nodeType="tmRoot"/>
-      </p:par>
-    </p:tnLst>
-  </p:timing>
-</p:sld>
-</file>
-
-<file path=ppt/slides/slide3.xml><?xml version="1.0" encoding="utf-8"?>
-<p:sld xmlns:a="http://schemas.openxmlformats.org/drawingml/2006/main" xmlns:r="http://schemas.openxmlformats.org/officeDocument/2006/relationships" xmlns:p="http://schemas.openxmlformats.org/presentationml/2006/main">
-  <p:cSld>
-    <p:spTree>
-      <p:nvGrpSpPr>
-        <p:cNvPr id="1" name=""/>
-        <p:cNvGrpSpPr/>
-        <p:nvPr/>
-      </p:nvGrpSpPr>
-      <p:grpSpPr>
-        <a:xfrm>
-          <a:off x="0" y="0"/>
-          <a:ext cx="0" cy="0"/>
-          <a:chOff x="0" y="0"/>
-          <a:chExt cx="0" cy="0"/>
-        </a:xfrm>
-      </p:grpSpPr>
-      <p:sp>
-        <p:nvSpPr>
-          <p:cNvPr id="2" name="Заголовок 1"/>
-          <p:cNvSpPr>
-            <a:spLocks noGrp="1"/>
-          </p:cNvSpPr>
-          <p:nvPr>
-            <p:ph type="title"/>
-          </p:nvPr>
-        </p:nvSpPr>
         <p:spPr/>
         <p:txBody>
           <a:bodyPr>
@@ -4693,9 +4846,10 @@
           <a:lstStyle/>
           <a:p>
             <a:r>
-              <a:rPr lang="ru-RU" dirty="0"/>
+              <a:rPr lang="en-US" dirty="0"/>
               <a:t>2</a:t>
             </a:r>
+            <a:endParaRPr lang="ru-RU" dirty="0"/>
           </a:p>
         </p:txBody>
       </p:sp>
@@ -4760,6 +4914,180 @@
 </p:sld>
 </file>
 
+<file path=ppt/slides/slide3.xml><?xml version="1.0" encoding="utf-8"?>
+<p:sld xmlns:a="http://schemas.openxmlformats.org/drawingml/2006/main" xmlns:r="http://schemas.openxmlformats.org/officeDocument/2006/relationships" xmlns:p="http://schemas.openxmlformats.org/presentationml/2006/main">
+  <p:cSld>
+    <p:spTree>
+      <p:nvGrpSpPr>
+        <p:cNvPr id="1" name=""/>
+        <p:cNvGrpSpPr/>
+        <p:nvPr/>
+      </p:nvGrpSpPr>
+      <p:grpSpPr>
+        <a:xfrm>
+          <a:off x="0" y="0"/>
+          <a:ext cx="0" cy="0"/>
+          <a:chOff x="0" y="0"/>
+          <a:chExt cx="0" cy="0"/>
+        </a:xfrm>
+      </p:grpSpPr>
+      <p:sp>
+        <p:nvSpPr>
+          <p:cNvPr id="2" name="Заголовок 1"/>
+          <p:cNvSpPr>
+            <a:spLocks noGrp="1"/>
+          </p:cNvSpPr>
+          <p:nvPr>
+            <p:ph type="title"/>
+          </p:nvPr>
+        </p:nvSpPr>
+        <p:spPr>
+          <a:xfrm>
+            <a:off x="831850" y="3019424"/>
+            <a:ext cx="10991850" cy="815975"/>
+          </a:xfrm>
+        </p:spPr>
+        <p:txBody>
+          <a:bodyPr/>
+          <a:lstStyle/>
+          <a:p>
+            <a:r>
+              <a:rPr lang="ru-RU" dirty="0" smtClean="0"/>
+              <a:t>Цель проекта</a:t>
+            </a:r>
+            <a:endParaRPr lang="ru-RU" dirty="0"/>
+          </a:p>
+        </p:txBody>
+      </p:sp>
+      <p:sp>
+        <p:nvSpPr>
+          <p:cNvPr id="3" name="Текст 2"/>
+          <p:cNvSpPr>
+            <a:spLocks noGrp="1"/>
+          </p:cNvSpPr>
+          <p:nvPr>
+            <p:ph type="body" idx="1"/>
+          </p:nvPr>
+        </p:nvSpPr>
+        <p:spPr/>
+        <p:txBody>
+          <a:bodyPr/>
+          <a:lstStyle/>
+          <a:p>
+            <a:r>
+              <a:rPr lang="en-US" sz="4000" dirty="0">
+                <a:solidFill>
+                  <a:schemeClr val="tx1"/>
+                </a:solidFill>
+              </a:rPr>
+              <a:t>C</a:t>
+            </a:r>
+            <a:r>
+              <a:rPr lang="ru-RU" sz="4000" dirty="0" err="1">
+                <a:solidFill>
+                  <a:schemeClr val="tx1"/>
+                </a:solidFill>
+              </a:rPr>
+              <a:t>оздание</a:t>
+            </a:r>
+            <a:r>
+              <a:rPr lang="ru-RU" sz="4000" dirty="0">
+                <a:solidFill>
+                  <a:schemeClr val="tx1"/>
+                </a:solidFill>
+              </a:rPr>
+              <a:t> генератора комбинаторных задач ЕГЭ на языке </a:t>
+            </a:r>
+            <a:r>
+              <a:rPr lang="ru-RU" sz="4000" dirty="0" err="1">
+                <a:solidFill>
+                  <a:schemeClr val="tx1"/>
+                </a:solidFill>
+              </a:rPr>
+              <a:t>JavaScript</a:t>
+            </a:r>
+            <a:r>
+              <a:rPr lang="ru-RU" sz="4000" dirty="0">
+                <a:solidFill>
+                  <a:schemeClr val="tx1"/>
+                </a:solidFill>
+              </a:rPr>
+              <a:t>.</a:t>
+            </a:r>
+            <a:r>
+              <a:rPr lang="ru-RU" sz="4000" b="1" dirty="0">
+                <a:solidFill>
+                  <a:schemeClr val="tx1"/>
+                </a:solidFill>
+              </a:rPr>
+              <a:t> </a:t>
+            </a:r>
+            <a:endParaRPr lang="ru-RU" sz="4000" dirty="0">
+              <a:solidFill>
+                <a:schemeClr val="tx1"/>
+              </a:solidFill>
+            </a:endParaRPr>
+          </a:p>
+          <a:p>
+            <a:endParaRPr lang="ru-RU" dirty="0">
+              <a:solidFill>
+                <a:schemeClr val="tx1"/>
+              </a:solidFill>
+            </a:endParaRPr>
+          </a:p>
+        </p:txBody>
+      </p:sp>
+      <p:sp>
+        <p:nvSpPr>
+          <p:cNvPr id="4" name="Номер слайда 3"/>
+          <p:cNvSpPr>
+            <a:spLocks noGrp="1"/>
+          </p:cNvSpPr>
+          <p:nvPr>
+            <p:ph type="sldNum" sz="quarter" idx="12"/>
+          </p:nvPr>
+        </p:nvSpPr>
+        <p:spPr/>
+        <p:txBody>
+          <a:bodyPr/>
+          <a:lstStyle/>
+          <a:p>
+            <a:fld id="{BE6F418A-D88A-4C3D-838F-588A838D2EC3}" type="slidenum">
+              <a:rPr lang="ru-RU" smtClean="0"/>
+              <a:t>3</a:t>
+            </a:fld>
+            <a:endParaRPr lang="ru-RU"/>
+          </a:p>
+        </p:txBody>
+      </p:sp>
+    </p:spTree>
+    <p:extLst>
+      <p:ext uri="{BB962C8B-B14F-4D97-AF65-F5344CB8AC3E}">
+        <p14:creationId xmlns:p14="http://schemas.microsoft.com/office/powerpoint/2010/main" val="1762447165"/>
+      </p:ext>
+    </p:extLst>
+  </p:cSld>
+  <p:clrMapOvr>
+    <a:masterClrMapping/>
+  </p:clrMapOvr>
+  <mc:AlternateContent xmlns:mc="http://schemas.openxmlformats.org/markup-compatibility/2006" xmlns:p14="http://schemas.microsoft.com/office/powerpoint/2010/main">
+    <mc:Choice Requires="p14">
+      <p:transition spd="slow" p14:dur="2000"/>
+    </mc:Choice>
+    <mc:Fallback xmlns="">
+      <p:transition spd="slow"/>
+    </mc:Fallback>
+  </mc:AlternateContent>
+  <p:timing>
+    <p:tnLst>
+      <p:par>
+        <p:cTn id="1" dur="indefinite" restart="never" nodeType="tmRoot"/>
+      </p:par>
+    </p:tnLst>
+  </p:timing>
+</p:sld>
+</file>
+
 <file path=ppt/slides/slide4.xml><?xml version="1.0" encoding="utf-8"?>
 <p:sld xmlns:a="http://schemas.openxmlformats.org/drawingml/2006/main" xmlns:r="http://schemas.openxmlformats.org/officeDocument/2006/relationships" xmlns:p="http://schemas.openxmlformats.org/presentationml/2006/main">
   <p:cSld>
@@ -4807,11 +5135,7 @@
             </a:pPr>
             <a:r>
               <a:rPr lang="ru-RU" sz="4500" b="1" dirty="0" smtClean="0"/>
-              <a:t>Для реализации генератора потребовалось выполнить следующие задачи</a:t>
-            </a:r>
-            <a:r>
-              <a:rPr lang="ru-RU" sz="4500" b="1" dirty="0" smtClean="0"/>
-              <a:t>:</a:t>
+              <a:t>Для реализации генератора потребовалось выполнить следующие задачи:</a:t>
             </a:r>
             <a:endParaRPr lang="en-US" sz="4500" b="1" dirty="0" smtClean="0"/>
           </a:p>
@@ -4828,6 +5152,22 @@
             <a:endParaRPr lang="en-US" sz="4200" dirty="0" smtClean="0"/>
           </a:p>
           <a:p>
+            <a:pPr lvl="0">
+              <a:lnSpc>
+                <a:spcPct val="110000"/>
+              </a:lnSpc>
+            </a:pPr>
+            <a:r>
+              <a:rPr lang="ru-RU" sz="4200" dirty="0"/>
+              <a:t>Отобрать ряд комбинаторных задач и проанализировать их решение</a:t>
+            </a:r>
+            <a:r>
+              <a:rPr lang="ru-RU" sz="4200" dirty="0" smtClean="0"/>
+              <a:t>.</a:t>
+            </a:r>
+            <a:endParaRPr lang="en-US" sz="4200" dirty="0" smtClean="0"/>
+          </a:p>
+          <a:p>
             <a:pPr>
               <a:lnSpc>
                 <a:spcPct val="110000"/>
@@ -4883,11 +5223,11 @@
             </a:pPr>
             <a:r>
               <a:rPr lang="ru-RU" sz="4200" dirty="0" smtClean="0"/>
-              <a:t>Отобрать </a:t>
+              <a:t>Разработать </a:t>
             </a:r>
             <a:r>
               <a:rPr lang="ru-RU" sz="4200" dirty="0"/>
-              <a:t>ряд комбинаторных задач и проанализировать их решение.</a:t>
+              <a:t>программный код для генерации текстов задач и ответов на них.</a:t>
             </a:r>
           </a:p>
           <a:p>
@@ -4898,26 +5238,11 @@
             </a:pPr>
             <a:r>
               <a:rPr lang="ru-RU" sz="4200" dirty="0"/>
-              <a:t>Разработать программный код для генерации текстов задач и ответов на них.</a:t>
-            </a:r>
-          </a:p>
-          <a:p>
-            <a:pPr lvl="0">
-              <a:lnSpc>
-                <a:spcPct val="110000"/>
-              </a:lnSpc>
-            </a:pPr>
-            <a:r>
-              <a:rPr lang="ru-RU" sz="4200" dirty="0"/>
               <a:t>Создать </a:t>
             </a:r>
             <a:r>
               <a:rPr lang="ru-RU" sz="4200" dirty="0" smtClean="0"/>
-              <a:t>веб</a:t>
-            </a:r>
-            <a:r>
-              <a:rPr lang="ru-RU" sz="4200" dirty="0" smtClean="0"/>
-              <a:t>-страницу</a:t>
+              <a:t>веб-страницу</a:t>
             </a:r>
             <a:r>
               <a:rPr lang="ru-RU" sz="4200" dirty="0"/>
@@ -5020,6 +5345,540 @@
       </p:grpSpPr>
       <p:sp>
         <p:nvSpPr>
+          <p:cNvPr id="2" name="Объект 1"/>
+          <p:cNvSpPr>
+            <a:spLocks noGrp="1"/>
+          </p:cNvSpPr>
+          <p:nvPr>
+            <p:ph idx="1"/>
+          </p:nvPr>
+        </p:nvSpPr>
+        <p:spPr>
+          <a:xfrm>
+            <a:off x="838200" y="1825624"/>
+            <a:ext cx="10515600" cy="4530725"/>
+          </a:xfrm>
+        </p:spPr>
+        <p:txBody>
+          <a:bodyPr>
+            <a:normAutofit/>
+          </a:bodyPr>
+          <a:lstStyle/>
+          <a:p>
+            <a:pPr marL="0" indent="0">
+              <a:buNone/>
+            </a:pPr>
+            <a:r>
+              <a:rPr lang="ru-RU" sz="2600" dirty="0" smtClean="0"/>
+              <a:t>Используя материалы с сайта Константина Полякова были выбраны 3 типа задач: </a:t>
+            </a:r>
+          </a:p>
+          <a:p>
+            <a:endParaRPr lang="ru-RU" dirty="0"/>
+          </a:p>
+        </p:txBody>
+      </p:sp>
+      <p:sp>
+        <p:nvSpPr>
+          <p:cNvPr id="3" name="Заголовок 2"/>
+          <p:cNvSpPr>
+            <a:spLocks noGrp="1"/>
+          </p:cNvSpPr>
+          <p:nvPr>
+            <p:ph type="title"/>
+          </p:nvPr>
+        </p:nvSpPr>
+        <p:spPr/>
+        <p:txBody>
+          <a:bodyPr>
+            <a:noAutofit/>
+          </a:bodyPr>
+          <a:lstStyle/>
+          <a:p>
+            <a:r>
+              <a:rPr lang="ru-RU" sz="3600" dirty="0" smtClean="0">
+                <a:latin typeface="+mn-lt"/>
+              </a:rPr>
+              <a:t>Отбор и анализ задач </a:t>
+            </a:r>
+            <a:endParaRPr lang="ru-RU" sz="3600" dirty="0">
+              <a:latin typeface="+mn-lt"/>
+            </a:endParaRPr>
+          </a:p>
+        </p:txBody>
+      </p:sp>
+      <p:sp>
+        <p:nvSpPr>
+          <p:cNvPr id="4" name="Номер слайда 3"/>
+          <p:cNvSpPr>
+            <a:spLocks noGrp="1"/>
+          </p:cNvSpPr>
+          <p:nvPr>
+            <p:ph type="sldNum" sz="quarter" idx="12"/>
+          </p:nvPr>
+        </p:nvSpPr>
+        <p:spPr/>
+        <p:txBody>
+          <a:bodyPr/>
+          <a:lstStyle/>
+          <a:p>
+            <a:r>
+              <a:rPr lang="ru-RU" dirty="0"/>
+              <a:t>5</a:t>
+            </a:r>
+          </a:p>
+        </p:txBody>
+      </p:sp>
+      <p:graphicFrame>
+        <p:nvGraphicFramePr>
+          <p:cNvPr id="5" name="Таблица 4"/>
+          <p:cNvGraphicFramePr>
+            <a:graphicFrameLocks noGrp="1"/>
+          </p:cNvGraphicFramePr>
+          <p:nvPr>
+            <p:extLst>
+              <p:ext uri="{D42A27DB-BD31-4B8C-83A1-F6EECF244321}">
+                <p14:modId xmlns:p14="http://schemas.microsoft.com/office/powerpoint/2010/main" val="1915387019"/>
+              </p:ext>
+            </p:extLst>
+          </p:nvPr>
+        </p:nvGraphicFramePr>
+        <p:xfrm>
+          <a:off x="959370" y="2693035"/>
+          <a:ext cx="9818558" cy="4023360"/>
+        </p:xfrm>
+        <a:graphic>
+          <a:graphicData uri="http://schemas.openxmlformats.org/drawingml/2006/table">
+            <a:tbl>
+              <a:tblPr firstRow="1" bandRow="1">
+                <a:tableStyleId>{5C22544A-7EE6-4342-B048-85BDC9FD1C3A}</a:tableStyleId>
+              </a:tblPr>
+              <a:tblGrid>
+                <a:gridCol w="3347803"/>
+                <a:gridCol w="3347803"/>
+                <a:gridCol w="3122952"/>
+              </a:tblGrid>
+              <a:tr h="249854">
+                <a:tc>
+                  <a:txBody>
+                    <a:bodyPr/>
+                    <a:lstStyle/>
+                    <a:p>
+                      <a:r>
+                        <a:rPr lang="ru-RU" dirty="0" smtClean="0"/>
+                        <a:t>Первый тип</a:t>
+                      </a:r>
+                      <a:endParaRPr lang="ru-RU" dirty="0"/>
+                    </a:p>
+                  </a:txBody>
+                  <a:tcPr/>
+                </a:tc>
+                <a:tc>
+                  <a:txBody>
+                    <a:bodyPr/>
+                    <a:lstStyle/>
+                    <a:p>
+                      <a:r>
+                        <a:rPr lang="ru-RU" dirty="0" smtClean="0"/>
+                        <a:t>Второй тип</a:t>
+                      </a:r>
+                      <a:endParaRPr lang="ru-RU" dirty="0"/>
+                    </a:p>
+                  </a:txBody>
+                  <a:tcPr/>
+                </a:tc>
+                <a:tc>
+                  <a:txBody>
+                    <a:bodyPr/>
+                    <a:lstStyle/>
+                    <a:p>
+                      <a:r>
+                        <a:rPr lang="ru-RU" dirty="0" smtClean="0"/>
+                        <a:t>Третий тип</a:t>
+                      </a:r>
+                      <a:endParaRPr lang="ru-RU" dirty="0"/>
+                    </a:p>
+                  </a:txBody>
+                  <a:tcPr/>
+                </a:tc>
+              </a:tr>
+              <a:tr h="2498541">
+                <a:tc>
+                  <a:txBody>
+                    <a:bodyPr/>
+                    <a:lstStyle/>
+                    <a:p>
+                      <a:r>
+                        <a:rPr lang="ru-RU" sz="1800" b="0" i="0" kern="1200" dirty="0" smtClean="0">
+                          <a:solidFill>
+                            <a:schemeClr val="dk1"/>
+                          </a:solidFill>
+                          <a:effectLst/>
+                          <a:latin typeface="+mn-lt"/>
+                          <a:ea typeface="+mn-ea"/>
+                          <a:cs typeface="+mn-cs"/>
+                        </a:rPr>
+                        <a:t>Все 4-буквенные слова, составленные из букв К, Л, Р, Т, записаны в алфавитном порядке и пронумерованы. Вот начало списка:</a:t>
+                      </a:r>
+                      <a:r>
+                        <a:rPr lang="ru-RU" dirty="0" smtClean="0"/>
+                        <a:t/>
+                      </a:r>
+                      <a:br>
+                        <a:rPr lang="ru-RU" dirty="0" smtClean="0"/>
+                      </a:br>
+                      <a:r>
+                        <a:rPr lang="ru-RU" sz="1800" b="0" i="0" kern="1200" dirty="0" smtClean="0">
+                          <a:solidFill>
+                            <a:schemeClr val="dk1"/>
+                          </a:solidFill>
+                          <a:effectLst/>
+                          <a:latin typeface="+mn-lt"/>
+                          <a:ea typeface="+mn-ea"/>
+                          <a:cs typeface="+mn-cs"/>
+                        </a:rPr>
+                        <a:t>1. КККК</a:t>
+                      </a:r>
+                      <a:r>
+                        <a:rPr lang="ru-RU" dirty="0" smtClean="0"/>
+                        <a:t/>
+                      </a:r>
+                      <a:br>
+                        <a:rPr lang="ru-RU" dirty="0" smtClean="0"/>
+                      </a:br>
+                      <a:r>
+                        <a:rPr lang="ru-RU" sz="1800" b="0" i="0" kern="1200" dirty="0" smtClean="0">
+                          <a:solidFill>
+                            <a:schemeClr val="dk1"/>
+                          </a:solidFill>
+                          <a:effectLst/>
+                          <a:latin typeface="+mn-lt"/>
+                          <a:ea typeface="+mn-ea"/>
+                          <a:cs typeface="+mn-cs"/>
+                        </a:rPr>
+                        <a:t>2. КККЛ</a:t>
+                      </a:r>
+                      <a:r>
+                        <a:rPr lang="ru-RU" dirty="0" smtClean="0"/>
+                        <a:t/>
+                      </a:r>
+                      <a:br>
+                        <a:rPr lang="ru-RU" dirty="0" smtClean="0"/>
+                      </a:br>
+                      <a:r>
+                        <a:rPr lang="ru-RU" sz="1800" b="0" i="0" kern="1200" dirty="0" smtClean="0">
+                          <a:solidFill>
+                            <a:schemeClr val="dk1"/>
+                          </a:solidFill>
+                          <a:effectLst/>
+                          <a:latin typeface="+mn-lt"/>
+                          <a:ea typeface="+mn-ea"/>
+                          <a:cs typeface="+mn-cs"/>
+                        </a:rPr>
+                        <a:t>3. КККР</a:t>
+                      </a:r>
+                      <a:r>
+                        <a:rPr lang="ru-RU" dirty="0" smtClean="0"/>
+                        <a:t/>
+                      </a:r>
+                      <a:br>
+                        <a:rPr lang="ru-RU" dirty="0" smtClean="0"/>
+                      </a:br>
+                      <a:r>
+                        <a:rPr lang="ru-RU" sz="1800" b="0" i="0" kern="1200" dirty="0" smtClean="0">
+                          <a:solidFill>
+                            <a:schemeClr val="dk1"/>
+                          </a:solidFill>
+                          <a:effectLst/>
+                          <a:latin typeface="+mn-lt"/>
+                          <a:ea typeface="+mn-ea"/>
+                          <a:cs typeface="+mn-cs"/>
+                        </a:rPr>
+                        <a:t>4. КККТ</a:t>
+                      </a:r>
+                      <a:r>
+                        <a:rPr lang="ru-RU" dirty="0" smtClean="0"/>
+                        <a:t/>
+                      </a:r>
+                      <a:br>
+                        <a:rPr lang="ru-RU" dirty="0" smtClean="0"/>
+                      </a:br>
+                      <a:r>
+                        <a:rPr lang="ru-RU" sz="1800" b="0" i="0" kern="1200" dirty="0" smtClean="0">
+                          <a:solidFill>
+                            <a:schemeClr val="dk1"/>
+                          </a:solidFill>
+                          <a:effectLst/>
+                          <a:latin typeface="+mn-lt"/>
+                          <a:ea typeface="+mn-ea"/>
+                          <a:cs typeface="+mn-cs"/>
+                        </a:rPr>
+                        <a:t>……</a:t>
+                      </a:r>
+                      <a:r>
+                        <a:rPr lang="ru-RU" dirty="0" smtClean="0"/>
+                        <a:t/>
+                      </a:r>
+                      <a:br>
+                        <a:rPr lang="ru-RU" dirty="0" smtClean="0"/>
+                      </a:br>
+                      <a:r>
+                        <a:rPr lang="ru-RU" sz="1800" b="0" i="0" kern="1200" dirty="0" smtClean="0">
+                          <a:solidFill>
+                            <a:schemeClr val="dk1"/>
+                          </a:solidFill>
+                          <a:effectLst/>
+                          <a:latin typeface="+mn-lt"/>
+                          <a:ea typeface="+mn-ea"/>
+                          <a:cs typeface="+mn-cs"/>
+                        </a:rPr>
+                        <a:t>Запишите слово, которое стоит на 67-м месте от начала списка.</a:t>
+                      </a:r>
+                      <a:endParaRPr lang="ru-RU" dirty="0"/>
+                    </a:p>
+                  </a:txBody>
+                  <a:tcPr/>
+                </a:tc>
+                <a:tc>
+                  <a:txBody>
+                    <a:bodyPr/>
+                    <a:lstStyle/>
+                    <a:p>
+                      <a:r>
+                        <a:rPr lang="ru-RU" sz="1800" b="0" i="0" kern="1200" dirty="0" smtClean="0">
+                          <a:solidFill>
+                            <a:schemeClr val="dk1"/>
+                          </a:solidFill>
+                          <a:effectLst/>
+                          <a:latin typeface="+mn-lt"/>
+                          <a:ea typeface="+mn-ea"/>
+                          <a:cs typeface="+mn-cs"/>
+                        </a:rPr>
+                        <a:t>Все 5-буквенные слова, составленные из 5 букв А, К, Л, О, Ш, записаны в алфавитном порядке. Вот начало списка:</a:t>
+                      </a:r>
+                      <a:r>
+                        <a:rPr lang="ru-RU" dirty="0" smtClean="0"/>
+                        <a:t/>
+                      </a:r>
+                      <a:br>
+                        <a:rPr lang="ru-RU" dirty="0" smtClean="0"/>
+                      </a:br>
+                      <a:r>
+                        <a:rPr lang="ru-RU" sz="1800" b="0" i="0" kern="1200" dirty="0" smtClean="0">
+                          <a:solidFill>
+                            <a:schemeClr val="dk1"/>
+                          </a:solidFill>
+                          <a:effectLst/>
+                          <a:latin typeface="+mn-lt"/>
+                          <a:ea typeface="+mn-ea"/>
+                          <a:cs typeface="+mn-cs"/>
+                        </a:rPr>
+                        <a:t>1. ААААА</a:t>
+                      </a:r>
+                      <a:r>
+                        <a:rPr lang="ru-RU" dirty="0" smtClean="0"/>
+                        <a:t/>
+                      </a:r>
+                      <a:br>
+                        <a:rPr lang="ru-RU" dirty="0" smtClean="0"/>
+                      </a:br>
+                      <a:r>
+                        <a:rPr lang="ru-RU" sz="1800" b="0" i="0" kern="1200" dirty="0" smtClean="0">
+                          <a:solidFill>
+                            <a:schemeClr val="dk1"/>
+                          </a:solidFill>
+                          <a:effectLst/>
+                          <a:latin typeface="+mn-lt"/>
+                          <a:ea typeface="+mn-ea"/>
+                          <a:cs typeface="+mn-cs"/>
+                        </a:rPr>
+                        <a:t>2. ААААК</a:t>
+                      </a:r>
+                      <a:r>
+                        <a:rPr lang="ru-RU" dirty="0" smtClean="0"/>
+                        <a:t/>
+                      </a:r>
+                      <a:br>
+                        <a:rPr lang="ru-RU" dirty="0" smtClean="0"/>
+                      </a:br>
+                      <a:r>
+                        <a:rPr lang="ru-RU" sz="1800" b="0" i="0" kern="1200" dirty="0" smtClean="0">
+                          <a:solidFill>
+                            <a:schemeClr val="dk1"/>
+                          </a:solidFill>
+                          <a:effectLst/>
+                          <a:latin typeface="+mn-lt"/>
+                          <a:ea typeface="+mn-ea"/>
+                          <a:cs typeface="+mn-cs"/>
+                        </a:rPr>
+                        <a:t>3. ААААЛ</a:t>
+                      </a:r>
+                      <a:r>
+                        <a:rPr lang="ru-RU" dirty="0" smtClean="0"/>
+                        <a:t/>
+                      </a:r>
+                      <a:br>
+                        <a:rPr lang="ru-RU" dirty="0" smtClean="0"/>
+                      </a:br>
+                      <a:r>
+                        <a:rPr lang="ru-RU" sz="1800" b="0" i="0" kern="1200" dirty="0" smtClean="0">
+                          <a:solidFill>
+                            <a:schemeClr val="dk1"/>
+                          </a:solidFill>
+                          <a:effectLst/>
+                          <a:latin typeface="+mn-lt"/>
+                          <a:ea typeface="+mn-ea"/>
+                          <a:cs typeface="+mn-cs"/>
+                        </a:rPr>
+                        <a:t>4. ААААО</a:t>
+                      </a:r>
+                      <a:r>
+                        <a:rPr lang="ru-RU" dirty="0" smtClean="0"/>
+                        <a:t/>
+                      </a:r>
+                      <a:br>
+                        <a:rPr lang="ru-RU" dirty="0" smtClean="0"/>
+                      </a:br>
+                      <a:r>
+                        <a:rPr lang="ru-RU" sz="1800" b="0" i="0" kern="1200" dirty="0" smtClean="0">
+                          <a:solidFill>
+                            <a:schemeClr val="dk1"/>
+                          </a:solidFill>
+                          <a:effectLst/>
+                          <a:latin typeface="+mn-lt"/>
+                          <a:ea typeface="+mn-ea"/>
+                          <a:cs typeface="+mn-cs"/>
+                        </a:rPr>
+                        <a:t>5. ААААШ</a:t>
+                      </a:r>
+                      <a:r>
+                        <a:rPr lang="ru-RU" dirty="0" smtClean="0"/>
+                        <a:t/>
+                      </a:r>
+                      <a:br>
+                        <a:rPr lang="ru-RU" dirty="0" smtClean="0"/>
+                      </a:br>
+                      <a:r>
+                        <a:rPr lang="ru-RU" sz="1800" b="0" i="0" kern="1200" dirty="0" smtClean="0">
+                          <a:solidFill>
+                            <a:schemeClr val="dk1"/>
+                          </a:solidFill>
+                          <a:effectLst/>
+                          <a:latin typeface="+mn-lt"/>
+                          <a:ea typeface="+mn-ea"/>
+                          <a:cs typeface="+mn-cs"/>
+                        </a:rPr>
+                        <a:t>6. АААКА</a:t>
+                      </a:r>
+                      <a:r>
+                        <a:rPr lang="ru-RU" dirty="0" smtClean="0"/>
+                        <a:t/>
+                      </a:r>
+                      <a:br>
+                        <a:rPr lang="ru-RU" dirty="0" smtClean="0"/>
+                      </a:br>
+                      <a:r>
+                        <a:rPr lang="ru-RU" sz="1800" b="0" i="0" kern="1200" dirty="0" smtClean="0">
+                          <a:solidFill>
+                            <a:schemeClr val="dk1"/>
+                          </a:solidFill>
+                          <a:effectLst/>
+                          <a:latin typeface="+mn-lt"/>
+                          <a:ea typeface="+mn-ea"/>
+                          <a:cs typeface="+mn-cs"/>
+                        </a:rPr>
+                        <a:t>……</a:t>
+                      </a:r>
+                      <a:r>
+                        <a:rPr lang="ru-RU" dirty="0" smtClean="0"/>
+                        <a:t/>
+                      </a:r>
+                      <a:br>
+                        <a:rPr lang="ru-RU" dirty="0" smtClean="0"/>
+                      </a:br>
+                      <a:r>
+                        <a:rPr lang="ru-RU" sz="1800" b="0" i="0" kern="1200" dirty="0" smtClean="0">
+                          <a:solidFill>
+                            <a:schemeClr val="dk1"/>
+                          </a:solidFill>
+                          <a:effectLst/>
+                          <a:latin typeface="+mn-lt"/>
+                          <a:ea typeface="+mn-ea"/>
+                          <a:cs typeface="+mn-cs"/>
+                        </a:rPr>
+                        <a:t>На каком месте от начала списка стоит слово ШКОЛА?</a:t>
+                      </a:r>
+                      <a:endParaRPr lang="ru-RU" dirty="0"/>
+                    </a:p>
+                  </a:txBody>
+                  <a:tcPr/>
+                </a:tc>
+                <a:tc>
+                  <a:txBody>
+                    <a:bodyPr/>
+                    <a:lstStyle/>
+                    <a:p>
+                      <a:r>
+                        <a:rPr lang="ru-RU" sz="1800" b="0" i="0" kern="1200" dirty="0" smtClean="0">
+                          <a:solidFill>
+                            <a:schemeClr val="dk1"/>
+                          </a:solidFill>
+                          <a:effectLst/>
+                          <a:latin typeface="+mn-lt"/>
+                          <a:ea typeface="+mn-ea"/>
+                          <a:cs typeface="+mn-cs"/>
+                        </a:rPr>
+                        <a:t>Маша составляет 5-буквенные коды из букв В, У, А, Л, Ь. Каждую букву нужно использовать ровно 1 раз, при этом буква Ь не может стоять на первом месте и перед гласной. Сколько различных кодов может составить Маша?</a:t>
+                      </a:r>
+                      <a:endParaRPr lang="ru-RU" dirty="0"/>
+                    </a:p>
+                  </a:txBody>
+                  <a:tcPr/>
+                </a:tc>
+              </a:tr>
+            </a:tbl>
+          </a:graphicData>
+        </a:graphic>
+      </p:graphicFrame>
+    </p:spTree>
+    <p:extLst>
+      <p:ext uri="{BB962C8B-B14F-4D97-AF65-F5344CB8AC3E}">
+        <p14:creationId xmlns:p14="http://schemas.microsoft.com/office/powerpoint/2010/main" val="506303883"/>
+      </p:ext>
+    </p:extLst>
+  </p:cSld>
+  <p:clrMapOvr>
+    <a:masterClrMapping/>
+  </p:clrMapOvr>
+  <p:timing>
+    <p:tnLst>
+      <p:par>
+        <p:cTn id="1" dur="indefinite" restart="never" nodeType="tmRoot"/>
+      </p:par>
+    </p:tnLst>
+  </p:timing>
+</p:sld>
+</file>
+
+<file path=ppt/slides/slide6.xml><?xml version="1.0" encoding="utf-8"?>
+<p:sld xmlns:a="http://schemas.openxmlformats.org/drawingml/2006/main" xmlns:r="http://schemas.openxmlformats.org/officeDocument/2006/relationships" xmlns:p="http://schemas.openxmlformats.org/presentationml/2006/main">
+  <p:cSld>
+    <p:spTree>
+      <p:nvGrpSpPr>
+        <p:cNvPr id="1" name=""/>
+        <p:cNvGrpSpPr/>
+        <p:nvPr/>
+      </p:nvGrpSpPr>
+      <p:grpSpPr>
+        <a:xfrm>
+          <a:off x="0" y="0"/>
+          <a:ext cx="0" cy="0"/>
+          <a:chOff x="0" y="0"/>
+          <a:chExt cx="0" cy="0"/>
+        </a:xfrm>
+      </p:grpSpPr>
+      <p:sp>
+        <p:nvSpPr>
           <p:cNvPr id="2" name="Заголовок 1"/>
           <p:cNvSpPr>
             <a:spLocks noGrp="1"/>
@@ -5132,7 +5991,7 @@
           <a:p>
             <a:fld id="{BE6F418A-D88A-4C3D-838F-588A838D2EC3}" type="slidenum">
               <a:rPr lang="ru-RU" smtClean="0"/>
-              <a:t>5</a:t>
+              <a:t>6</a:t>
             </a:fld>
             <a:endParaRPr lang="ru-RU"/>
           </a:p>
@@ -5223,7 +6082,7 @@
 </p:sld>
 </file>
 
-<file path=ppt/slides/slide6.xml><?xml version="1.0" encoding="utf-8"?>
+<file path=ppt/slides/slide7.xml><?xml version="1.0" encoding="utf-8"?>
 <p:sld xmlns:a="http://schemas.openxmlformats.org/drawingml/2006/main" xmlns:r="http://schemas.openxmlformats.org/officeDocument/2006/relationships" xmlns:p="http://schemas.openxmlformats.org/presentationml/2006/main">
   <p:cSld>
     <p:spTree>
@@ -5252,58 +6111,58 @@
         </p:nvSpPr>
         <p:spPr>
           <a:xfrm>
-            <a:off x="2495550" y="1825625"/>
-            <a:ext cx="8858250" cy="1574800"/>
+            <a:off x="2495550" y="1825624"/>
+            <a:ext cx="8858250" cy="1870917"/>
           </a:xfrm>
         </p:spPr>
         <p:txBody>
           <a:bodyPr>
-            <a:normAutofit fontScale="92500" lnSpcReduction="20000"/>
+            <a:noAutofit/>
           </a:bodyPr>
           <a:lstStyle/>
           <a:p>
             <a:r>
-              <a:rPr lang="en-US" dirty="0"/>
+              <a:rPr lang="en-US" sz="2600" dirty="0"/>
               <a:t>HTML</a:t>
             </a:r>
             <a:r>
-              <a:rPr lang="ru-RU" dirty="0"/>
+              <a:rPr lang="ru-RU" sz="2600" dirty="0"/>
               <a:t> – язык разметки, который позволяет понимать браузеру, как правильно отображать блоки на веб-странице. При загрузке веб-страницы браузер интерпретирует код </a:t>
             </a:r>
             <a:r>
-              <a:rPr lang="en-US" dirty="0"/>
+              <a:rPr lang="en-US" sz="2600" dirty="0"/>
               <a:t>HTML </a:t>
             </a:r>
             <a:r>
-              <a:rPr lang="ru-RU" dirty="0"/>
+              <a:rPr lang="ru-RU" sz="2600" dirty="0"/>
               <a:t>и выводит на экран пользователя контент</a:t>
             </a:r>
             <a:r>
+              <a:rPr lang="ru-RU" sz="2600" dirty="0"/>
+              <a:t>. Имеет блочную структуру</a:t>
+            </a:r>
+            <a:endParaRPr lang="ru-RU" sz="2600" dirty="0"/>
+          </a:p>
+        </p:txBody>
+      </p:sp>
+      <p:sp>
+        <p:nvSpPr>
+          <p:cNvPr id="3" name="Номер слайда 2"/>
+          <p:cNvSpPr>
+            <a:spLocks noGrp="1"/>
+          </p:cNvSpPr>
+          <p:nvPr>
+            <p:ph type="sldNum" sz="quarter" idx="12"/>
+          </p:nvPr>
+        </p:nvSpPr>
+        <p:spPr/>
+        <p:txBody>
+          <a:bodyPr/>
+          <a:lstStyle/>
+          <a:p>
+            <a:r>
               <a:rPr lang="ru-RU" dirty="0" smtClean="0"/>
-              <a:t>. Имеет блочную структуру</a:t>
-            </a:r>
-            <a:endParaRPr lang="ru-RU" dirty="0"/>
-          </a:p>
-        </p:txBody>
-      </p:sp>
-      <p:sp>
-        <p:nvSpPr>
-          <p:cNvPr id="3" name="Номер слайда 2"/>
-          <p:cNvSpPr>
-            <a:spLocks noGrp="1"/>
-          </p:cNvSpPr>
-          <p:nvPr>
-            <p:ph type="sldNum" sz="quarter" idx="12"/>
-          </p:nvPr>
-        </p:nvSpPr>
-        <p:spPr/>
-        <p:txBody>
-          <a:bodyPr/>
-          <a:lstStyle/>
-          <a:p>
-            <a:r>
-              <a:rPr lang="ru-RU" dirty="0" smtClean="0"/>
-              <a:t>6</a:t>
+              <a:t>7</a:t>
             </a:r>
             <a:endParaRPr lang="ru-RU" dirty="0"/>
           </a:p>
@@ -5361,7 +6220,7 @@
         </p:blipFill>
         <p:spPr bwMode="auto">
           <a:xfrm>
-            <a:off x="838201" y="1825625"/>
+            <a:off x="838201" y="1973682"/>
             <a:ext cx="1574800" cy="1574800"/>
           </a:xfrm>
           <a:prstGeom prst="rect">
@@ -5638,7 +6497,7 @@
 </p:sld>
 </file>
 
-<file path=ppt/slides/slide7.xml><?xml version="1.0" encoding="utf-8"?>
+<file path=ppt/slides/slide8.xml><?xml version="1.0" encoding="utf-8"?>
 <p:sld xmlns:a="http://schemas.openxmlformats.org/drawingml/2006/main" xmlns:r="http://schemas.openxmlformats.org/officeDocument/2006/relationships" xmlns:p="http://schemas.openxmlformats.org/presentationml/2006/main">
   <p:cSld>
     <p:spTree>
@@ -5722,9 +6581,8 @@
           <a:p>
             <a:r>
               <a:rPr lang="ru-RU" dirty="0"/>
-              <a:t>7</a:t>
-            </a:r>
-            <a:endParaRPr lang="ru-RU" dirty="0"/>
+              <a:t>8</a:t>
+            </a:r>
           </a:p>
         </p:txBody>
       </p:sp>
@@ -6057,7 +6915,7 @@
 </p:sld>
 </file>
 
-<file path=ppt/slides/slide8.xml><?xml version="1.0" encoding="utf-8"?>
+<file path=ppt/slides/slide9.xml><?xml version="1.0" encoding="utf-8"?>
 <p:sld xmlns:a="http://schemas.openxmlformats.org/drawingml/2006/main" xmlns:r="http://schemas.openxmlformats.org/officeDocument/2006/relationships" xmlns:p="http://schemas.openxmlformats.org/presentationml/2006/main">
   <p:cSld>
     <p:spTree>
@@ -6090,10 +6948,9 @@
           <a:lstStyle/>
           <a:p>
             <a:r>
-              <a:rPr lang="ru-RU" dirty="0" smtClean="0"/>
-              <a:t>8</a:t>
-            </a:r>
-            <a:endParaRPr lang="ru-RU" dirty="0"/>
+              <a:rPr lang="ru-RU" dirty="0"/>
+              <a:t>9</a:t>
+            </a:r>
           </a:p>
         </p:txBody>
       </p:sp>
@@ -6226,7 +7083,15 @@
           <a:p>
             <a:r>
               <a:rPr lang="ru-RU" dirty="0" smtClean="0"/>
-              <a:t>В результате получился веб-сайт, выглядит подобным образом.</a:t>
+              <a:t>В результате получился веб-сайт, </a:t>
+            </a:r>
+            <a:r>
+              <a:rPr lang="ru-RU" dirty="0" smtClean="0"/>
+              <a:t>выглядящий </a:t>
+            </a:r>
+            <a:r>
+              <a:rPr lang="ru-RU" dirty="0" smtClean="0"/>
+              <a:t>подобным образом.</a:t>
             </a:r>
             <a:endParaRPr lang="ru-RU" dirty="0"/>
           </a:p>
@@ -6236,154 +7101,6 @@
     <p:extLst>
       <p:ext uri="{BB962C8B-B14F-4D97-AF65-F5344CB8AC3E}">
         <p14:creationId xmlns:p14="http://schemas.microsoft.com/office/powerpoint/2010/main" val="2775338905"/>
-      </p:ext>
-    </p:extLst>
-  </p:cSld>
-  <p:clrMapOvr>
-    <a:masterClrMapping/>
-  </p:clrMapOvr>
-  <p:timing>
-    <p:tnLst>
-      <p:par>
-        <p:cTn id="1" dur="indefinite" restart="never" nodeType="tmRoot"/>
-      </p:par>
-    </p:tnLst>
-  </p:timing>
-</p:sld>
-</file>
-
-<file path=ppt/slides/slide9.xml><?xml version="1.0" encoding="utf-8"?>
-<p:sld xmlns:a="http://schemas.openxmlformats.org/drawingml/2006/main" xmlns:r="http://schemas.openxmlformats.org/officeDocument/2006/relationships" xmlns:p="http://schemas.openxmlformats.org/presentationml/2006/main">
-  <p:cSld>
-    <p:spTree>
-      <p:nvGrpSpPr>
-        <p:cNvPr id="1" name=""/>
-        <p:cNvGrpSpPr/>
-        <p:nvPr/>
-      </p:nvGrpSpPr>
-      <p:grpSpPr>
-        <a:xfrm>
-          <a:off x="0" y="0"/>
-          <a:ext cx="0" cy="0"/>
-          <a:chOff x="0" y="0"/>
-          <a:chExt cx="0" cy="0"/>
-        </a:xfrm>
-      </p:grpSpPr>
-      <p:sp>
-        <p:nvSpPr>
-          <p:cNvPr id="2" name="Заголовок 1"/>
-          <p:cNvSpPr>
-            <a:spLocks noGrp="1"/>
-          </p:cNvSpPr>
-          <p:nvPr>
-            <p:ph type="title"/>
-          </p:nvPr>
-        </p:nvSpPr>
-        <p:spPr/>
-        <p:txBody>
-          <a:bodyPr>
-            <a:normAutofit fontScale="90000"/>
-          </a:bodyPr>
-          <a:lstStyle/>
-          <a:p>
-            <a:r>
-              <a:rPr lang="ru-RU" dirty="0" smtClean="0"/>
-              <a:t>Генерация заданий</a:t>
-            </a:r>
-            <a:endParaRPr lang="ru-RU" dirty="0"/>
-          </a:p>
-        </p:txBody>
-      </p:sp>
-      <p:pic>
-        <p:nvPicPr>
-          <p:cNvPr id="6" name="Объект 5"/>
-          <p:cNvPicPr>
-            <a:picLocks noGrp="1" noChangeAspect="1"/>
-          </p:cNvPicPr>
-          <p:nvPr>
-            <p:ph idx="1"/>
-          </p:nvPr>
-        </p:nvPicPr>
-        <p:blipFill>
-          <a:blip r:embed="rId2"/>
-          <a:stretch>
-            <a:fillRect/>
-          </a:stretch>
-        </p:blipFill>
-        <p:spPr>
-          <a:xfrm>
-            <a:off x="5181600" y="1798747"/>
-            <a:ext cx="6173788" cy="3250980"/>
-          </a:xfrm>
-          <a:prstGeom prst="rect">
-            <a:avLst/>
-          </a:prstGeom>
-          <a:ln w="38100" cap="sq">
-            <a:solidFill>
-              <a:srgbClr val="0000FF"/>
-            </a:solidFill>
-            <a:prstDash val="solid"/>
-            <a:miter lim="800000"/>
-          </a:ln>
-          <a:effectLst>
-            <a:outerShdw blurRad="50800" dist="38100" dir="2700000" algn="tl" rotWithShape="0">
-              <a:srgbClr val="000000">
-                <a:alpha val="43000"/>
-              </a:srgbClr>
-            </a:outerShdw>
-          </a:effectLst>
-        </p:spPr>
-      </p:pic>
-      <p:sp>
-        <p:nvSpPr>
-          <p:cNvPr id="4" name="Текст 3"/>
-          <p:cNvSpPr>
-            <a:spLocks noGrp="1"/>
-          </p:cNvSpPr>
-          <p:nvPr>
-            <p:ph type="body" sz="half" idx="2"/>
-          </p:nvPr>
-        </p:nvSpPr>
-        <p:spPr/>
-        <p:txBody>
-          <a:bodyPr/>
-          <a:lstStyle/>
-          <a:p>
-            <a:r>
-              <a:rPr lang="ru-RU" dirty="0" smtClean="0"/>
-              <a:t>После выбора пользователем нужных ему задач, на экран выводятся блоки с сгенерированными заданиями, которые можно проверить с помощью ответов внизу блока соответствующего типа.</a:t>
-            </a:r>
-            <a:endParaRPr lang="ru-RU" dirty="0"/>
-          </a:p>
-        </p:txBody>
-      </p:sp>
-      <p:sp>
-        <p:nvSpPr>
-          <p:cNvPr id="5" name="Номер слайда 4"/>
-          <p:cNvSpPr>
-            <a:spLocks noGrp="1"/>
-          </p:cNvSpPr>
-          <p:nvPr>
-            <p:ph type="sldNum" sz="quarter" idx="12"/>
-          </p:nvPr>
-        </p:nvSpPr>
-        <p:spPr/>
-        <p:txBody>
-          <a:bodyPr/>
-          <a:lstStyle/>
-          <a:p>
-            <a:fld id="{BE6F418A-D88A-4C3D-838F-588A838D2EC3}" type="slidenum">
-              <a:rPr lang="ru-RU" smtClean="0"/>
-              <a:t>9</a:t>
-            </a:fld>
-            <a:endParaRPr lang="ru-RU"/>
-          </a:p>
-        </p:txBody>
-      </p:sp>
-    </p:spTree>
-    <p:extLst>
-      <p:ext uri="{BB962C8B-B14F-4D97-AF65-F5344CB8AC3E}">
-        <p14:creationId xmlns:p14="http://schemas.microsoft.com/office/powerpoint/2010/main" val="4119221960"/>
       </p:ext>
     </p:extLst>
   </p:cSld>

--- a/Project/Презентация.pptx
+++ b/Project/Презентация.pptx
@@ -1837,7 +1837,7 @@
         <p:spPr>
           <a:xfrm>
             <a:off x="7061200" y="2727325"/>
-            <a:ext cx="6604000" cy="1400175"/>
+            <a:ext cx="5384800" cy="1400175"/>
           </a:xfrm>
           <a:prstGeom prst="roundRect">
             <a:avLst/>
@@ -4393,23 +4393,28 @@
           <a:p>
             <a:r>
               <a:rPr lang="ru-RU" sz="2600" dirty="0" smtClean="0"/>
-              <a:t>Веб-сайты имеют огромную популярность в  современном мире, они применяются во многих сферах и содержат в себе информацию </a:t>
-            </a:r>
-            <a:r>
-              <a:rPr lang="ru-RU" sz="2600" smtClean="0"/>
-              <a:t>различного рода.</a:t>
+              <a:t>Веб-сайты имеют огромную популярность в  современном мире, они применяются во многих сферах и содержат в себе информацию различного рода.</a:t>
             </a:r>
             <a:endParaRPr lang="ru-RU" sz="2600" dirty="0"/>
           </a:p>
           <a:p>
             <a:r>
               <a:rPr lang="ru-RU" altLang="ru-RU" sz="2600" dirty="0"/>
-              <a:t>В результате работы над проектом были приобретены навыки отбора и систематизации нужной информации из множества </a:t>
+              <a:t>В результате работы над проектом были </a:t>
             </a:r>
             <a:r>
               <a:rPr lang="ru-RU" altLang="ru-RU" sz="2600" dirty="0" smtClean="0"/>
-              <a:t>источников</a:t>
-            </a:r>
+              <a:t>выполнены все поставленный задачи и приобретены </a:t>
+            </a:r>
+            <a:r>
+              <a:rPr lang="ru-RU" altLang="ru-RU" sz="2600" dirty="0"/>
+              <a:t>навыки отбора и систематизации нужной информации из множества </a:t>
+            </a:r>
+            <a:r>
+              <a:rPr lang="ru-RU" altLang="ru-RU" sz="2600" dirty="0" smtClean="0"/>
+              <a:t>источников.</a:t>
+            </a:r>
+            <a:endParaRPr lang="ru-RU" altLang="ru-RU" sz="2600" dirty="0" smtClean="0"/>
           </a:p>
           <a:p>
             <a:r>
@@ -5140,6 +5145,21 @@
             <a:endParaRPr lang="en-US" sz="4500" b="1" dirty="0" smtClean="0"/>
           </a:p>
           <a:p>
+            <a:pPr lvl="0">
+              <a:lnSpc>
+                <a:spcPct val="110000"/>
+              </a:lnSpc>
+            </a:pPr>
+            <a:r>
+              <a:rPr lang="ru-RU" sz="4200" dirty="0"/>
+              <a:t>Отобрать ряд комбинаторных задач и проанализировать их решение</a:t>
+            </a:r>
+            <a:r>
+              <a:rPr lang="ru-RU" sz="4200" dirty="0" smtClean="0"/>
+              <a:t>.</a:t>
+            </a:r>
+          </a:p>
+          <a:p>
             <a:pPr>
               <a:lnSpc>
                 <a:spcPct val="110000"/>
@@ -5148,22 +5168,6 @@
             <a:r>
               <a:rPr lang="ru-RU" sz="4200" dirty="0" smtClean="0"/>
               <a:t>Выбор платформы, на которой будет реализован продукт.</a:t>
-            </a:r>
-            <a:endParaRPr lang="en-US" sz="4200" dirty="0" smtClean="0"/>
-          </a:p>
-          <a:p>
-            <a:pPr lvl="0">
-              <a:lnSpc>
-                <a:spcPct val="110000"/>
-              </a:lnSpc>
-            </a:pPr>
-            <a:r>
-              <a:rPr lang="ru-RU" sz="4200" dirty="0"/>
-              <a:t>Отобрать ряд комбинаторных задач и проанализировать их решение</a:t>
-            </a:r>
-            <a:r>
-              <a:rPr lang="ru-RU" sz="4200" dirty="0" smtClean="0"/>
-              <a:t>.</a:t>
             </a:r>
             <a:endParaRPr lang="en-US" sz="4200" dirty="0" smtClean="0"/>
           </a:p>
@@ -5370,7 +5374,7 @@
             </a:pPr>
             <a:r>
               <a:rPr lang="ru-RU" sz="2600" dirty="0" smtClean="0"/>
-              <a:t>Используя материалы с сайта Константина Полякова были выбраны 3 типа задач: </a:t>
+              <a:t>Используя сайт Константина Полякова были выбраны 3 типа задач: </a:t>
             </a:r>
           </a:p>
           <a:p>
@@ -5438,25 +5442,43 @@
           <p:nvPr>
             <p:extLst>
               <p:ext uri="{D42A27DB-BD31-4B8C-83A1-F6EECF244321}">
-                <p14:modId xmlns:p14="http://schemas.microsoft.com/office/powerpoint/2010/main" val="1915387019"/>
+                <p14:modId xmlns:p14="http://schemas.microsoft.com/office/powerpoint/2010/main" val="1062675566"/>
               </p:ext>
             </p:extLst>
           </p:nvPr>
         </p:nvGraphicFramePr>
         <p:xfrm>
-          <a:off x="959370" y="2693035"/>
-          <a:ext cx="9818558" cy="4023360"/>
+          <a:off x="838200" y="2332990"/>
+          <a:ext cx="10515600" cy="4023360"/>
         </p:xfrm>
         <a:graphic>
           <a:graphicData uri="http://schemas.openxmlformats.org/drawingml/2006/table">
             <a:tbl>
               <a:tblPr firstRow="1" bandRow="1">
-                <a:tableStyleId>{5C22544A-7EE6-4342-B048-85BDC9FD1C3A}</a:tableStyleId>
+                <a:tableStyleId>{7DF18680-E054-41AD-8BC1-D1AEF772440D}</a:tableStyleId>
               </a:tblPr>
               <a:tblGrid>
-                <a:gridCol w="3347803"/>
-                <a:gridCol w="3347803"/>
-                <a:gridCol w="3122952"/>
+                <a:gridCol w="3585471">
+                  <a:extLst>
+                    <a:ext uri="{9D8B030D-6E8A-4147-A177-3AD203B41FA5}">
+                      <a16:colId xmlns:a16="http://schemas.microsoft.com/office/drawing/2014/main" val="20000"/>
+                    </a:ext>
+                  </a:extLst>
+                </a:gridCol>
+                <a:gridCol w="3585471">
+                  <a:extLst>
+                    <a:ext uri="{9D8B030D-6E8A-4147-A177-3AD203B41FA5}">
+                      <a16:colId xmlns:a16="http://schemas.microsoft.com/office/drawing/2014/main" val="20001"/>
+                    </a:ext>
+                  </a:extLst>
+                </a:gridCol>
+                <a:gridCol w="3344658">
+                  <a:extLst>
+                    <a:ext uri="{9D8B030D-6E8A-4147-A177-3AD203B41FA5}">
+                      <a16:colId xmlns:a16="http://schemas.microsoft.com/office/drawing/2014/main" val="20002"/>
+                    </a:ext>
+                  </a:extLst>
+                </a:gridCol>
               </a:tblGrid>
               <a:tr h="249854">
                 <a:tc>
@@ -5471,7 +5493,11 @@
                       <a:endParaRPr lang="ru-RU" dirty="0"/>
                     </a:p>
                   </a:txBody>
-                  <a:tcPr/>
+                  <a:tcPr>
+                    <a:solidFill>
+                      <a:srgbClr val="0000FF"/>
+                    </a:solidFill>
+                  </a:tcPr>
                 </a:tc>
                 <a:tc>
                   <a:txBody>
@@ -5485,7 +5511,11 @@
                       <a:endParaRPr lang="ru-RU" dirty="0"/>
                     </a:p>
                   </a:txBody>
-                  <a:tcPr/>
+                  <a:tcPr>
+                    <a:solidFill>
+                      <a:srgbClr val="0000FF"/>
+                    </a:solidFill>
+                  </a:tcPr>
                 </a:tc>
                 <a:tc>
                   <a:txBody>
@@ -5499,8 +5529,17 @@
                       <a:endParaRPr lang="ru-RU" dirty="0"/>
                     </a:p>
                   </a:txBody>
-                  <a:tcPr/>
+                  <a:tcPr>
+                    <a:solidFill>
+                      <a:srgbClr val="0000FF"/>
+                    </a:solidFill>
+                  </a:tcPr>
                 </a:tc>
+                <a:extLst>
+                  <a:ext uri="{0D108BD9-81ED-4DB2-BD59-A6C34878D82A}">
+                    <a16:rowId xmlns:a16="http://schemas.microsoft.com/office/drawing/2014/main" val="10000"/>
+                  </a:ext>
+                </a:extLst>
               </a:tr>
               <a:tr h="2498541">
                 <a:tc>
@@ -5509,14 +5548,8 @@
                     <a:lstStyle/>
                     <a:p>
                       <a:r>
-                        <a:rPr lang="ru-RU" sz="1800" b="0" i="0" kern="1200" dirty="0" smtClean="0">
-                          <a:solidFill>
-                            <a:schemeClr val="dk1"/>
-                          </a:solidFill>
+                        <a:rPr lang="ru-RU" sz="1800" kern="1200" dirty="0" smtClean="0">
                           <a:effectLst/>
-                          <a:latin typeface="+mn-lt"/>
-                          <a:ea typeface="+mn-ea"/>
-                          <a:cs typeface="+mn-cs"/>
                         </a:rPr>
                         <a:t>Все 4-буквенные слова, составленные из букв К, Л, Р, Т, записаны в алфавитном порядке и пронумерованы. Вот начало списка:</a:t>
                       </a:r>
@@ -5528,14 +5561,8 @@
                         <a:rPr lang="ru-RU" dirty="0" smtClean="0"/>
                       </a:br>
                       <a:r>
-                        <a:rPr lang="ru-RU" sz="1800" b="0" i="0" kern="1200" dirty="0" smtClean="0">
-                          <a:solidFill>
-                            <a:schemeClr val="dk1"/>
-                          </a:solidFill>
+                        <a:rPr lang="ru-RU" sz="1800" kern="1200" dirty="0" smtClean="0">
                           <a:effectLst/>
-                          <a:latin typeface="+mn-lt"/>
-                          <a:ea typeface="+mn-ea"/>
-                          <a:cs typeface="+mn-cs"/>
                         </a:rPr>
                         <a:t>1. КККК</a:t>
                       </a:r>
@@ -5547,14 +5574,8 @@
                         <a:rPr lang="ru-RU" dirty="0" smtClean="0"/>
                       </a:br>
                       <a:r>
-                        <a:rPr lang="ru-RU" sz="1800" b="0" i="0" kern="1200" dirty="0" smtClean="0">
-                          <a:solidFill>
-                            <a:schemeClr val="dk1"/>
-                          </a:solidFill>
+                        <a:rPr lang="ru-RU" sz="1800" kern="1200" dirty="0" smtClean="0">
                           <a:effectLst/>
-                          <a:latin typeface="+mn-lt"/>
-                          <a:ea typeface="+mn-ea"/>
-                          <a:cs typeface="+mn-cs"/>
                         </a:rPr>
                         <a:t>2. КККЛ</a:t>
                       </a:r>
@@ -5566,14 +5587,8 @@
                         <a:rPr lang="ru-RU" dirty="0" smtClean="0"/>
                       </a:br>
                       <a:r>
-                        <a:rPr lang="ru-RU" sz="1800" b="0" i="0" kern="1200" dirty="0" smtClean="0">
-                          <a:solidFill>
-                            <a:schemeClr val="dk1"/>
-                          </a:solidFill>
+                        <a:rPr lang="ru-RU" sz="1800" kern="1200" dirty="0" smtClean="0">
                           <a:effectLst/>
-                          <a:latin typeface="+mn-lt"/>
-                          <a:ea typeface="+mn-ea"/>
-                          <a:cs typeface="+mn-cs"/>
                         </a:rPr>
                         <a:t>3. КККР</a:t>
                       </a:r>
@@ -5585,14 +5600,8 @@
                         <a:rPr lang="ru-RU" dirty="0" smtClean="0"/>
                       </a:br>
                       <a:r>
-                        <a:rPr lang="ru-RU" sz="1800" b="0" i="0" kern="1200" dirty="0" smtClean="0">
-                          <a:solidFill>
-                            <a:schemeClr val="dk1"/>
-                          </a:solidFill>
+                        <a:rPr lang="ru-RU" sz="1800" kern="1200" dirty="0" smtClean="0">
                           <a:effectLst/>
-                          <a:latin typeface="+mn-lt"/>
-                          <a:ea typeface="+mn-ea"/>
-                          <a:cs typeface="+mn-cs"/>
                         </a:rPr>
                         <a:t>4. КККТ</a:t>
                       </a:r>
@@ -5604,14 +5613,8 @@
                         <a:rPr lang="ru-RU" dirty="0" smtClean="0"/>
                       </a:br>
                       <a:r>
-                        <a:rPr lang="ru-RU" sz="1800" b="0" i="0" kern="1200" dirty="0" smtClean="0">
-                          <a:solidFill>
-                            <a:schemeClr val="dk1"/>
-                          </a:solidFill>
+                        <a:rPr lang="ru-RU" sz="1800" kern="1200" dirty="0" smtClean="0">
                           <a:effectLst/>
-                          <a:latin typeface="+mn-lt"/>
-                          <a:ea typeface="+mn-ea"/>
-                          <a:cs typeface="+mn-cs"/>
                         </a:rPr>
                         <a:t>……</a:t>
                       </a:r>
@@ -5623,14 +5626,8 @@
                         <a:rPr lang="ru-RU" dirty="0" smtClean="0"/>
                       </a:br>
                       <a:r>
-                        <a:rPr lang="ru-RU" sz="1800" b="0" i="0" kern="1200" dirty="0" smtClean="0">
-                          <a:solidFill>
-                            <a:schemeClr val="dk1"/>
-                          </a:solidFill>
+                        <a:rPr lang="ru-RU" sz="1800" kern="1200" dirty="0" smtClean="0">
                           <a:effectLst/>
-                          <a:latin typeface="+mn-lt"/>
-                          <a:ea typeface="+mn-ea"/>
-                          <a:cs typeface="+mn-cs"/>
                         </a:rPr>
                         <a:t>Запишите слово, которое стоит на 67-м месте от начала списка.</a:t>
                       </a:r>
@@ -5645,14 +5642,8 @@
                     <a:lstStyle/>
                     <a:p>
                       <a:r>
-                        <a:rPr lang="ru-RU" sz="1800" b="0" i="0" kern="1200" dirty="0" smtClean="0">
-                          <a:solidFill>
-                            <a:schemeClr val="dk1"/>
-                          </a:solidFill>
+                        <a:rPr lang="ru-RU" sz="1800" kern="1200" dirty="0" smtClean="0">
                           <a:effectLst/>
-                          <a:latin typeface="+mn-lt"/>
-                          <a:ea typeface="+mn-ea"/>
-                          <a:cs typeface="+mn-cs"/>
                         </a:rPr>
                         <a:t>Все 5-буквенные слова, составленные из 5 букв А, К, Л, О, Ш, записаны в алфавитном порядке. Вот начало списка:</a:t>
                       </a:r>
@@ -5664,14 +5655,8 @@
                         <a:rPr lang="ru-RU" dirty="0" smtClean="0"/>
                       </a:br>
                       <a:r>
-                        <a:rPr lang="ru-RU" sz="1800" b="0" i="0" kern="1200" dirty="0" smtClean="0">
-                          <a:solidFill>
-                            <a:schemeClr val="dk1"/>
-                          </a:solidFill>
+                        <a:rPr lang="ru-RU" sz="1800" kern="1200" dirty="0" smtClean="0">
                           <a:effectLst/>
-                          <a:latin typeface="+mn-lt"/>
-                          <a:ea typeface="+mn-ea"/>
-                          <a:cs typeface="+mn-cs"/>
                         </a:rPr>
                         <a:t>1. ААААА</a:t>
                       </a:r>
@@ -5683,14 +5668,8 @@
                         <a:rPr lang="ru-RU" dirty="0" smtClean="0"/>
                       </a:br>
                       <a:r>
-                        <a:rPr lang="ru-RU" sz="1800" b="0" i="0" kern="1200" dirty="0" smtClean="0">
-                          <a:solidFill>
-                            <a:schemeClr val="dk1"/>
-                          </a:solidFill>
+                        <a:rPr lang="ru-RU" sz="1800" kern="1200" dirty="0" smtClean="0">
                           <a:effectLst/>
-                          <a:latin typeface="+mn-lt"/>
-                          <a:ea typeface="+mn-ea"/>
-                          <a:cs typeface="+mn-cs"/>
                         </a:rPr>
                         <a:t>2. ААААК</a:t>
                       </a:r>
@@ -5702,14 +5681,8 @@
                         <a:rPr lang="ru-RU" dirty="0" smtClean="0"/>
                       </a:br>
                       <a:r>
-                        <a:rPr lang="ru-RU" sz="1800" b="0" i="0" kern="1200" dirty="0" smtClean="0">
-                          <a:solidFill>
-                            <a:schemeClr val="dk1"/>
-                          </a:solidFill>
+                        <a:rPr lang="ru-RU" sz="1800" kern="1200" dirty="0" smtClean="0">
                           <a:effectLst/>
-                          <a:latin typeface="+mn-lt"/>
-                          <a:ea typeface="+mn-ea"/>
-                          <a:cs typeface="+mn-cs"/>
                         </a:rPr>
                         <a:t>3. ААААЛ</a:t>
                       </a:r>
@@ -5721,14 +5694,8 @@
                         <a:rPr lang="ru-RU" dirty="0" smtClean="0"/>
                       </a:br>
                       <a:r>
-                        <a:rPr lang="ru-RU" sz="1800" b="0" i="0" kern="1200" dirty="0" smtClean="0">
-                          <a:solidFill>
-                            <a:schemeClr val="dk1"/>
-                          </a:solidFill>
+                        <a:rPr lang="ru-RU" sz="1800" kern="1200" dirty="0" smtClean="0">
                           <a:effectLst/>
-                          <a:latin typeface="+mn-lt"/>
-                          <a:ea typeface="+mn-ea"/>
-                          <a:cs typeface="+mn-cs"/>
                         </a:rPr>
                         <a:t>4. ААААО</a:t>
                       </a:r>
@@ -5740,14 +5707,8 @@
                         <a:rPr lang="ru-RU" dirty="0" smtClean="0"/>
                       </a:br>
                       <a:r>
-                        <a:rPr lang="ru-RU" sz="1800" b="0" i="0" kern="1200" dirty="0" smtClean="0">
-                          <a:solidFill>
-                            <a:schemeClr val="dk1"/>
-                          </a:solidFill>
+                        <a:rPr lang="ru-RU" sz="1800" kern="1200" dirty="0" smtClean="0">
                           <a:effectLst/>
-                          <a:latin typeface="+mn-lt"/>
-                          <a:ea typeface="+mn-ea"/>
-                          <a:cs typeface="+mn-cs"/>
                         </a:rPr>
                         <a:t>5. ААААШ</a:t>
                       </a:r>
@@ -5759,14 +5720,8 @@
                         <a:rPr lang="ru-RU" dirty="0" smtClean="0"/>
                       </a:br>
                       <a:r>
-                        <a:rPr lang="ru-RU" sz="1800" b="0" i="0" kern="1200" dirty="0" smtClean="0">
-                          <a:solidFill>
-                            <a:schemeClr val="dk1"/>
-                          </a:solidFill>
+                        <a:rPr lang="ru-RU" sz="1800" kern="1200" dirty="0" smtClean="0">
                           <a:effectLst/>
-                          <a:latin typeface="+mn-lt"/>
-                          <a:ea typeface="+mn-ea"/>
-                          <a:cs typeface="+mn-cs"/>
                         </a:rPr>
                         <a:t>6. АААКА</a:t>
                       </a:r>
@@ -5778,14 +5733,8 @@
                         <a:rPr lang="ru-RU" dirty="0" smtClean="0"/>
                       </a:br>
                       <a:r>
-                        <a:rPr lang="ru-RU" sz="1800" b="0" i="0" kern="1200" dirty="0" smtClean="0">
-                          <a:solidFill>
-                            <a:schemeClr val="dk1"/>
-                          </a:solidFill>
+                        <a:rPr lang="ru-RU" sz="1800" kern="1200" dirty="0" smtClean="0">
                           <a:effectLst/>
-                          <a:latin typeface="+mn-lt"/>
-                          <a:ea typeface="+mn-ea"/>
-                          <a:cs typeface="+mn-cs"/>
                         </a:rPr>
                         <a:t>……</a:t>
                       </a:r>
@@ -5797,14 +5746,8 @@
                         <a:rPr lang="ru-RU" dirty="0" smtClean="0"/>
                       </a:br>
                       <a:r>
-                        <a:rPr lang="ru-RU" sz="1800" b="0" i="0" kern="1200" dirty="0" smtClean="0">
-                          <a:solidFill>
-                            <a:schemeClr val="dk1"/>
-                          </a:solidFill>
+                        <a:rPr lang="ru-RU" sz="1800" kern="1200" dirty="0" smtClean="0">
                           <a:effectLst/>
-                          <a:latin typeface="+mn-lt"/>
-                          <a:ea typeface="+mn-ea"/>
-                          <a:cs typeface="+mn-cs"/>
                         </a:rPr>
                         <a:t>На каком месте от начала списка стоит слово ШКОЛА?</a:t>
                       </a:r>
@@ -5819,14 +5762,8 @@
                     <a:lstStyle/>
                     <a:p>
                       <a:r>
-                        <a:rPr lang="ru-RU" sz="1800" b="0" i="0" kern="1200" dirty="0" smtClean="0">
-                          <a:solidFill>
-                            <a:schemeClr val="dk1"/>
-                          </a:solidFill>
+                        <a:rPr lang="ru-RU" sz="1800" kern="1200" dirty="0" smtClean="0">
                           <a:effectLst/>
-                          <a:latin typeface="+mn-lt"/>
-                          <a:ea typeface="+mn-ea"/>
-                          <a:cs typeface="+mn-cs"/>
                         </a:rPr>
                         <a:t>Маша составляет 5-буквенные коды из букв В, У, А, Л, Ь. Каждую букву нужно использовать ровно 1 раз, при этом буква Ь не может стоять на первом месте и перед гласной. Сколько различных кодов может составить Маша?</a:t>
                       </a:r>
@@ -5835,6 +5772,11 @@
                   </a:txBody>
                   <a:tcPr/>
                 </a:tc>
+                <a:extLst>
+                  <a:ext uri="{0D108BD9-81ED-4DB2-BD59-A6C34878D82A}">
+                    <a16:rowId xmlns:a16="http://schemas.microsoft.com/office/drawing/2014/main" val="10001"/>
+                  </a:ext>
+                </a:extLst>
               </a:tr>
             </a:tbl>
           </a:graphicData>
@@ -6135,13 +6077,8 @@
             </a:r>
             <a:r>
               <a:rPr lang="ru-RU" sz="2600" dirty="0"/>
-              <a:t>и выводит на экран пользователя контент</a:t>
-            </a:r>
-            <a:r>
-              <a:rPr lang="ru-RU" sz="2600" dirty="0"/>
-              <a:t>. Имеет блочную структуру</a:t>
-            </a:r>
-            <a:endParaRPr lang="ru-RU" sz="2600" dirty="0"/>
+              <a:t>и выводит на экран пользователя контент. Имеет блочную структуру</a:t>
+            </a:r>
           </a:p>
         </p:txBody>
       </p:sp>
@@ -7083,15 +7020,7 @@
           <a:p>
             <a:r>
               <a:rPr lang="ru-RU" dirty="0" smtClean="0"/>
-              <a:t>В результате получился веб-сайт, </a:t>
-            </a:r>
-            <a:r>
-              <a:rPr lang="ru-RU" dirty="0" smtClean="0"/>
-              <a:t>выглядящий </a:t>
-            </a:r>
-            <a:r>
-              <a:rPr lang="ru-RU" dirty="0" smtClean="0"/>
-              <a:t>подобным образом.</a:t>
+              <a:t>В результате получился веб-сайт, выглядящий подобным образом.</a:t>
             </a:r>
             <a:endParaRPr lang="ru-RU" dirty="0"/>
           </a:p>
